--- a/Курсовая_презентация.pptx
+++ b/Курсовая_презентация.pptx
@@ -5,10 +5,10 @@
     <p:sldMasterId id="2147483696" r:id="rId4"/>
   </p:sldMasterIdLst>
   <p:notesMasterIdLst>
-    <p:notesMasterId r:id="rId16"/>
+    <p:notesMasterId r:id="rId17"/>
   </p:notesMasterIdLst>
   <p:handoutMasterIdLst>
-    <p:handoutMasterId r:id="rId17"/>
+    <p:handoutMasterId r:id="rId18"/>
   </p:handoutMasterIdLst>
   <p:sldIdLst>
     <p:sldId id="367" r:id="rId5"/>
@@ -22,6 +22,7 @@
     <p:sldId id="371" r:id="rId13"/>
     <p:sldId id="372" r:id="rId14"/>
     <p:sldId id="373" r:id="rId15"/>
+    <p:sldId id="374" r:id="rId16"/>
   </p:sldIdLst>
   <p:sldSz cx="12192000" cy="6858000"/>
   <p:notesSz cx="6858000" cy="9144000"/>
@@ -122,7 +123,7 @@
   </p:defaultTextStyle>
   <p:extLst>
     <p:ext uri="{EFAFB233-063F-42B5-8137-9DF3F51BA10A}">
-      <p15:sldGuideLst xmlns:p15="http://schemas.microsoft.com/office/powerpoint/2012/main">
+      <p15:sldGuideLst xmlns:p15="http://schemas.microsoft.com/office/powerpoint/2012/main" xmlns="">
         <p15:guide id="1" orient="horz" pos="1392" userDrawn="1">
           <p15:clr>
             <a:srgbClr val="A4A3A4"/>
@@ -141,7 +142,7 @@
       </p15:sldGuideLst>
     </p:ext>
     <p:ext uri="{2D200454-40CA-4A62-9FC3-DE9A4176ACB9}">
-      <p15:notesGuideLst xmlns:p15="http://schemas.microsoft.com/office/powerpoint/2012/main"/>
+      <p15:notesGuideLst xmlns:p15="http://schemas.microsoft.com/office/powerpoint/2012/main" xmlns=""/>
     </p:ext>
   </p:extLst>
 </p:presentation>
@@ -189,7 +190,7 @@
           <p:cNvPr id="2" name="Верхний колонтитул 1">
             <a:extLst>
               <a:ext uri="{FF2B5EF4-FFF2-40B4-BE49-F238E27FC236}">
-                <a16:creationId xmlns:a16="http://schemas.microsoft.com/office/drawing/2014/main" id="{30E99E25-5B65-D93A-3010-8B947D67E65D}"/>
+                <a16:creationId xmlns:a16="http://schemas.microsoft.com/office/drawing/2014/main" xmlns="" id="{30E99E25-5B65-D93A-3010-8B947D67E65D}"/>
               </a:ext>
             </a:extLst>
           </p:cNvPr>
@@ -227,7 +228,7 @@
           <p:cNvPr id="3" name="Дата 2">
             <a:extLst>
               <a:ext uri="{FF2B5EF4-FFF2-40B4-BE49-F238E27FC236}">
-                <a16:creationId xmlns:a16="http://schemas.microsoft.com/office/drawing/2014/main" id="{7DAEB28A-33CC-6CF5-1214-F2C3205F6790}"/>
+                <a16:creationId xmlns:a16="http://schemas.microsoft.com/office/drawing/2014/main" xmlns="" id="{7DAEB28A-33CC-6CF5-1214-F2C3205F6790}"/>
               </a:ext>
             </a:extLst>
           </p:cNvPr>
@@ -258,7 +259,7 @@
             <a:pPr rtl="0"/>
             <a:fld id="{8B8788E2-050D-463F-A92F-4D0C04C1FF8B}" type="datetime1">
               <a:rPr lang="ru-RU" smtClean="0"/>
-              <a:t>11.05.2025</a:t>
+              <a:t>12.05.2025</a:t>
             </a:fld>
             <a:endParaRPr lang="ru-RU" dirty="0"/>
           </a:p>
@@ -269,7 +270,7 @@
           <p:cNvPr id="4" name="Нижний колонтитул 3">
             <a:extLst>
               <a:ext uri="{FF2B5EF4-FFF2-40B4-BE49-F238E27FC236}">
-                <a16:creationId xmlns:a16="http://schemas.microsoft.com/office/drawing/2014/main" id="{43D63414-6160-FF79-B3F6-CD615625C842}"/>
+                <a16:creationId xmlns:a16="http://schemas.microsoft.com/office/drawing/2014/main" xmlns="" id="{43D63414-6160-FF79-B3F6-CD615625C842}"/>
               </a:ext>
             </a:extLst>
           </p:cNvPr>
@@ -307,7 +308,7 @@
           <p:cNvPr id="5" name="Номер слайда 4">
             <a:extLst>
               <a:ext uri="{FF2B5EF4-FFF2-40B4-BE49-F238E27FC236}">
-                <a16:creationId xmlns:a16="http://schemas.microsoft.com/office/drawing/2014/main" id="{2583E93F-BDEC-C5F7-2553-8324882C4193}"/>
+                <a16:creationId xmlns:a16="http://schemas.microsoft.com/office/drawing/2014/main" xmlns="" id="{2583E93F-BDEC-C5F7-2553-8324882C4193}"/>
               </a:ext>
             </a:extLst>
           </p:cNvPr>
@@ -440,7 +441,7 @@
             <a:pPr rtl="0"/>
             <a:fld id="{63C1047A-B6E2-4574-B7D3-9927A8C89A45}" type="datetime1">
               <a:rPr lang="ru-RU" smtClean="0"/>
-              <a:t>11.05.2025</a:t>
+              <a:t>12.05.2025</a:t>
             </a:fld>
             <a:endParaRPr lang="ru-RU" dirty="0"/>
           </a:p>
@@ -794,7 +795,7 @@
             <a:pPr rtl="0"/>
             <a:fld id="{D5939589-3E79-4C82-AA4A-FE78234FAA59}" type="slidenum">
               <a:rPr lang="ru-RU" smtClean="0"/>
-              <a:t>5</a:t>
+              <a:t>3</a:t>
             </a:fld>
             <a:endParaRPr lang="ru-RU" dirty="0"/>
           </a:p>
@@ -888,7 +889,7 @@
             <a:pPr rtl="0"/>
             <a:fld id="{D5939589-3E79-4C82-AA4A-FE78234FAA59}" type="slidenum">
               <a:rPr lang="ru-RU" smtClean="0"/>
-              <a:t>4</a:t>
+              <a:t>7</a:t>
             </a:fld>
             <a:endParaRPr lang="ru-RU" dirty="0"/>
           </a:p>
@@ -945,7 +946,7 @@
           <p:cNvPr id="2" name="Заголовок 1">
             <a:extLst>
               <a:ext uri="{FF2B5EF4-FFF2-40B4-BE49-F238E27FC236}">
-                <a16:creationId xmlns:a16="http://schemas.microsoft.com/office/drawing/2014/main" id="{F6640AAD-80AF-40E7-BE3F-43D32FC68ED4}"/>
+                <a16:creationId xmlns:a16="http://schemas.microsoft.com/office/drawing/2014/main" xmlns="" id="{F6640AAD-80AF-40E7-BE3F-43D32FC68ED4}"/>
               </a:ext>
             </a:extLst>
           </p:cNvPr>
@@ -990,10 +991,10 @@
           <p:cNvPr id="9" name="Прямая соединительная линия 8">
             <a:extLst>
               <a:ext uri="{FF2B5EF4-FFF2-40B4-BE49-F238E27FC236}">
-                <a16:creationId xmlns:a16="http://schemas.microsoft.com/office/drawing/2014/main" id="{8E825845-66DD-4B77-A729-CD97D156FE6C}"/>
+                <a16:creationId xmlns:a16="http://schemas.microsoft.com/office/drawing/2014/main" xmlns="" id="{8E825845-66DD-4B77-A729-CD97D156FE6C}"/>
               </a:ext>
               <a:ext uri="{C183D7F6-B498-43B3-948B-1728B52AA6E4}">
-                <adec:decorative xmlns:adec="http://schemas.microsoft.com/office/drawing/2017/decorative" val="1"/>
+                <adec:decorative xmlns:adec="http://schemas.microsoft.com/office/drawing/2017/decorative" xmlns="" val="1"/>
               </a:ext>
             </a:extLst>
           </p:cNvPr>
@@ -1037,10 +1038,10 @@
           <p:cNvPr id="4" name="Группа 3">
             <a:extLst>
               <a:ext uri="{FF2B5EF4-FFF2-40B4-BE49-F238E27FC236}">
-                <a16:creationId xmlns:a16="http://schemas.microsoft.com/office/drawing/2014/main" id="{22749162-63A5-5BF9-895E-B0577A6C47E0}"/>
+                <a16:creationId xmlns:a16="http://schemas.microsoft.com/office/drawing/2014/main" xmlns="" id="{22749162-63A5-5BF9-895E-B0577A6C47E0}"/>
               </a:ext>
               <a:ext uri="{C183D7F6-B498-43B3-948B-1728B52AA6E4}">
-                <adec:decorative xmlns:adec="http://schemas.microsoft.com/office/drawing/2017/decorative" val="1"/>
+                <adec:decorative xmlns:adec="http://schemas.microsoft.com/office/drawing/2017/decorative" xmlns="" val="1"/>
               </a:ext>
             </a:extLst>
           </p:cNvPr>
@@ -1060,7 +1061,7 @@
             <p:cNvPr id="19" name="Графический объект 12">
               <a:extLst>
                 <a:ext uri="{FF2B5EF4-FFF2-40B4-BE49-F238E27FC236}">
-                  <a16:creationId xmlns:a16="http://schemas.microsoft.com/office/drawing/2014/main" id="{818B4386-1FCF-4ACE-BE25-AF9CC5E2256F}"/>
+                  <a16:creationId xmlns:a16="http://schemas.microsoft.com/office/drawing/2014/main" xmlns="" id="{818B4386-1FCF-4ACE-BE25-AF9CC5E2256F}"/>
                 </a:ext>
               </a:extLst>
             </p:cNvPr>
@@ -1161,7 +1162,7 @@
             <p:cNvPr id="21" name="Графический объект 13">
               <a:extLst>
                 <a:ext uri="{FF2B5EF4-FFF2-40B4-BE49-F238E27FC236}">
-                  <a16:creationId xmlns:a16="http://schemas.microsoft.com/office/drawing/2014/main" id="{19319560-50ED-4963-A2CF-74663239D426}"/>
+                  <a16:creationId xmlns:a16="http://schemas.microsoft.com/office/drawing/2014/main" xmlns="" id="{19319560-50ED-4963-A2CF-74663239D426}"/>
                 </a:ext>
               </a:extLst>
             </p:cNvPr>
@@ -1366,7 +1367,7 @@
             <p:cNvPr id="23" name="Графический объект 15">
               <a:extLst>
                 <a:ext uri="{FF2B5EF4-FFF2-40B4-BE49-F238E27FC236}">
-                  <a16:creationId xmlns:a16="http://schemas.microsoft.com/office/drawing/2014/main" id="{E5ABBDAD-943D-48F3-9C80-B29C48966C79}"/>
+                  <a16:creationId xmlns:a16="http://schemas.microsoft.com/office/drawing/2014/main" xmlns="" id="{E5ABBDAD-943D-48F3-9C80-B29C48966C79}"/>
                 </a:ext>
               </a:extLst>
             </p:cNvPr>
@@ -1516,7 +1517,7 @@
           <p:cNvPr id="8" name="Прямая соединительная линия 7">
             <a:extLst>
               <a:ext uri="{FF2B5EF4-FFF2-40B4-BE49-F238E27FC236}">
-                <a16:creationId xmlns:a16="http://schemas.microsoft.com/office/drawing/2014/main" id="{32683DDD-2280-4CF7-8707-DA26D56C4F44}"/>
+                <a16:creationId xmlns:a16="http://schemas.microsoft.com/office/drawing/2014/main" xmlns="" id="{32683DDD-2280-4CF7-8707-DA26D56C4F44}"/>
               </a:ext>
             </a:extLst>
           </p:cNvPr>
@@ -1552,7 +1553,7 @@
           <p:cNvPr id="14" name="Прямая соединительная линия 13">
             <a:extLst>
               <a:ext uri="{FF2B5EF4-FFF2-40B4-BE49-F238E27FC236}">
-                <a16:creationId xmlns:a16="http://schemas.microsoft.com/office/drawing/2014/main" id="{CBDB9B38-C12D-4E13-9182-00A0F23A7296}"/>
+                <a16:creationId xmlns:a16="http://schemas.microsoft.com/office/drawing/2014/main" xmlns="" id="{CBDB9B38-C12D-4E13-9182-00A0F23A7296}"/>
               </a:ext>
             </a:extLst>
           </p:cNvPr>
@@ -1595,7 +1596,7 @@
           <p:cNvPr id="5" name="Текст 4">
             <a:extLst>
               <a:ext uri="{FF2B5EF4-FFF2-40B4-BE49-F238E27FC236}">
-                <a16:creationId xmlns:a16="http://schemas.microsoft.com/office/drawing/2014/main" id="{8A040599-B48D-49A8-B448-7655732B2365}"/>
+                <a16:creationId xmlns:a16="http://schemas.microsoft.com/office/drawing/2014/main" xmlns="" id="{8A040599-B48D-49A8-B448-7655732B2365}"/>
               </a:ext>
             </a:extLst>
           </p:cNvPr>
@@ -1723,7 +1724,7 @@
           <p:cNvPr id="2" name="Заголовок 1">
             <a:extLst>
               <a:ext uri="{FF2B5EF4-FFF2-40B4-BE49-F238E27FC236}">
-                <a16:creationId xmlns:a16="http://schemas.microsoft.com/office/drawing/2014/main" id="{E969F227-D21C-48B3-828A-6BFA9585E82F}"/>
+                <a16:creationId xmlns:a16="http://schemas.microsoft.com/office/drawing/2014/main" xmlns="" id="{E969F227-D21C-48B3-828A-6BFA9585E82F}"/>
               </a:ext>
             </a:extLst>
           </p:cNvPr>
@@ -1765,7 +1766,7 @@
           <p:cNvPr id="16" name="Номер слайда 15">
             <a:extLst>
               <a:ext uri="{FF2B5EF4-FFF2-40B4-BE49-F238E27FC236}">
-                <a16:creationId xmlns:a16="http://schemas.microsoft.com/office/drawing/2014/main" id="{6183E8BD-29F0-8F9F-FC7D-73F8067BCDDF}"/>
+                <a16:creationId xmlns:a16="http://schemas.microsoft.com/office/drawing/2014/main" xmlns="" id="{6183E8BD-29F0-8F9F-FC7D-73F8067BCDDF}"/>
               </a:ext>
             </a:extLst>
           </p:cNvPr>
@@ -1804,7 +1805,7 @@
           <p:cNvPr id="15" name="Объект 2">
             <a:extLst>
               <a:ext uri="{FF2B5EF4-FFF2-40B4-BE49-F238E27FC236}">
-                <a16:creationId xmlns:a16="http://schemas.microsoft.com/office/drawing/2014/main" id="{5C983CA3-739C-6C20-AFE0-0997370354B4}"/>
+                <a16:creationId xmlns:a16="http://schemas.microsoft.com/office/drawing/2014/main" xmlns="" id="{5C983CA3-739C-6C20-AFE0-0997370354B4}"/>
               </a:ext>
             </a:extLst>
           </p:cNvPr>
@@ -1906,10 +1907,10 @@
           <p:cNvPr id="4" name="Прямая соединительная линия 3">
             <a:extLst>
               <a:ext uri="{FF2B5EF4-FFF2-40B4-BE49-F238E27FC236}">
-                <a16:creationId xmlns:a16="http://schemas.microsoft.com/office/drawing/2014/main" id="{4BC9F29C-BBE9-AFB4-AFC6-30BCA4EB2AFA}"/>
+                <a16:creationId xmlns:a16="http://schemas.microsoft.com/office/drawing/2014/main" xmlns="" id="{4BC9F29C-BBE9-AFB4-AFC6-30BCA4EB2AFA}"/>
               </a:ext>
               <a:ext uri="{C183D7F6-B498-43B3-948B-1728B52AA6E4}">
-                <adec:decorative xmlns:adec="http://schemas.microsoft.com/office/drawing/2017/decorative" val="1"/>
+                <adec:decorative xmlns:adec="http://schemas.microsoft.com/office/drawing/2017/decorative" xmlns="" val="1"/>
               </a:ext>
             </a:extLst>
           </p:cNvPr>
@@ -1962,7 +1963,7 @@
           <p:cNvPr id="8" name="Объект 2">
             <a:extLst>
               <a:ext uri="{FF2B5EF4-FFF2-40B4-BE49-F238E27FC236}">
-                <a16:creationId xmlns:a16="http://schemas.microsoft.com/office/drawing/2014/main" id="{CBC4D286-C480-B4CF-4406-CACC323F9FAD}"/>
+                <a16:creationId xmlns:a16="http://schemas.microsoft.com/office/drawing/2014/main" xmlns="" id="{CBC4D286-C480-B4CF-4406-CACC323F9FAD}"/>
               </a:ext>
             </a:extLst>
           </p:cNvPr>
@@ -2028,7 +2029,7 @@
           <p:cNvPr id="14" name="Нижний колонтитул 13">
             <a:extLst>
               <a:ext uri="{FF2B5EF4-FFF2-40B4-BE49-F238E27FC236}">
-                <a16:creationId xmlns:a16="http://schemas.microsoft.com/office/drawing/2014/main" id="{0BEE2817-4518-D59A-BD13-29A3D4FE64F0}"/>
+                <a16:creationId xmlns:a16="http://schemas.microsoft.com/office/drawing/2014/main" xmlns="" id="{0BEE2817-4518-D59A-BD13-29A3D4FE64F0}"/>
               </a:ext>
             </a:extLst>
           </p:cNvPr>
@@ -2093,7 +2094,7 @@
           <p:cNvPr id="2" name="Заголовок 1">
             <a:extLst>
               <a:ext uri="{FF2B5EF4-FFF2-40B4-BE49-F238E27FC236}">
-                <a16:creationId xmlns:a16="http://schemas.microsoft.com/office/drawing/2014/main" id="{B5F057AE-3B3B-4261-B912-BF9EB9A58C36}"/>
+                <a16:creationId xmlns:a16="http://schemas.microsoft.com/office/drawing/2014/main" xmlns="" id="{B5F057AE-3B3B-4261-B912-BF9EB9A58C36}"/>
               </a:ext>
             </a:extLst>
           </p:cNvPr>
@@ -2136,7 +2137,7 @@
           <p:cNvPr id="22" name="Номер слайда 21">
             <a:extLst>
               <a:ext uri="{FF2B5EF4-FFF2-40B4-BE49-F238E27FC236}">
-                <a16:creationId xmlns:a16="http://schemas.microsoft.com/office/drawing/2014/main" id="{F0626849-9D2D-3C95-8C10-FA8F325FE9AA}"/>
+                <a16:creationId xmlns:a16="http://schemas.microsoft.com/office/drawing/2014/main" xmlns="" id="{F0626849-9D2D-3C95-8C10-FA8F325FE9AA}"/>
               </a:ext>
             </a:extLst>
           </p:cNvPr>
@@ -2171,7 +2172,7 @@
           <p:cNvPr id="4" name="Объект 3">
             <a:extLst>
               <a:ext uri="{FF2B5EF4-FFF2-40B4-BE49-F238E27FC236}">
-                <a16:creationId xmlns:a16="http://schemas.microsoft.com/office/drawing/2014/main" id="{8DE39CA1-2B6D-427E-9688-9093D5865CB7}"/>
+                <a16:creationId xmlns:a16="http://schemas.microsoft.com/office/drawing/2014/main" xmlns="" id="{8DE39CA1-2B6D-427E-9688-9093D5865CB7}"/>
               </a:ext>
             </a:extLst>
           </p:cNvPr>
@@ -2267,7 +2268,7 @@
           <p:cNvPr id="6" name="Объект 5">
             <a:extLst>
               <a:ext uri="{FF2B5EF4-FFF2-40B4-BE49-F238E27FC236}">
-                <a16:creationId xmlns:a16="http://schemas.microsoft.com/office/drawing/2014/main" id="{BD7EA593-3036-4FB5-94B4-D9431DF04871}"/>
+                <a16:creationId xmlns:a16="http://schemas.microsoft.com/office/drawing/2014/main" xmlns="" id="{BD7EA593-3036-4FB5-94B4-D9431DF04871}"/>
               </a:ext>
             </a:extLst>
           </p:cNvPr>
@@ -2362,10 +2363,10 @@
           <p:cNvPr id="13" name="Группа 12">
             <a:extLst>
               <a:ext uri="{FF2B5EF4-FFF2-40B4-BE49-F238E27FC236}">
-                <a16:creationId xmlns:a16="http://schemas.microsoft.com/office/drawing/2014/main" id="{4717D91C-F78C-0E4C-FB27-7112AB840A1C}"/>
+                <a16:creationId xmlns:a16="http://schemas.microsoft.com/office/drawing/2014/main" xmlns="" id="{4717D91C-F78C-0E4C-FB27-7112AB840A1C}"/>
               </a:ext>
               <a:ext uri="{C183D7F6-B498-43B3-948B-1728B52AA6E4}">
-                <adec:decorative xmlns:adec="http://schemas.microsoft.com/office/drawing/2017/decorative" val="1"/>
+                <adec:decorative xmlns:adec="http://schemas.microsoft.com/office/drawing/2017/decorative" xmlns="" val="1"/>
               </a:ext>
             </a:extLst>
           </p:cNvPr>
@@ -2385,7 +2386,7 @@
             <p:cNvPr id="15" name="Графический объект 12">
               <a:extLst>
                 <a:ext uri="{FF2B5EF4-FFF2-40B4-BE49-F238E27FC236}">
-                  <a16:creationId xmlns:a16="http://schemas.microsoft.com/office/drawing/2014/main" id="{CC935CF3-75DF-0DC7-1B2A-E0E0205DF64B}"/>
+                  <a16:creationId xmlns:a16="http://schemas.microsoft.com/office/drawing/2014/main" xmlns="" id="{CC935CF3-75DF-0DC7-1B2A-E0E0205DF64B}"/>
                 </a:ext>
               </a:extLst>
             </p:cNvPr>
@@ -2486,7 +2487,7 @@
             <p:cNvPr id="17" name="Графический объект 13">
               <a:extLst>
                 <a:ext uri="{FF2B5EF4-FFF2-40B4-BE49-F238E27FC236}">
-                  <a16:creationId xmlns:a16="http://schemas.microsoft.com/office/drawing/2014/main" id="{D5782BEB-6319-DEC1-F9ED-BA9201C6B9B7}"/>
+                  <a16:creationId xmlns:a16="http://schemas.microsoft.com/office/drawing/2014/main" xmlns="" id="{D5782BEB-6319-DEC1-F9ED-BA9201C6B9B7}"/>
                 </a:ext>
               </a:extLst>
             </p:cNvPr>
@@ -2691,7 +2692,7 @@
             <p:cNvPr id="18" name="Графический объект 15">
               <a:extLst>
                 <a:ext uri="{FF2B5EF4-FFF2-40B4-BE49-F238E27FC236}">
-                  <a16:creationId xmlns:a16="http://schemas.microsoft.com/office/drawing/2014/main" id="{6E59DFAF-9794-BD12-D89A-422FFFFCE023}"/>
+                  <a16:creationId xmlns:a16="http://schemas.microsoft.com/office/drawing/2014/main" xmlns="" id="{6E59DFAF-9794-BD12-D89A-422FFFFCE023}"/>
                 </a:ext>
               </a:extLst>
             </p:cNvPr>
@@ -2841,7 +2842,7 @@
           <p:cNvPr id="21" name="Нижний колонтитул 20">
             <a:extLst>
               <a:ext uri="{FF2B5EF4-FFF2-40B4-BE49-F238E27FC236}">
-                <a16:creationId xmlns:a16="http://schemas.microsoft.com/office/drawing/2014/main" id="{36444A47-BCB3-5C86-F2B8-25092BE8D9FF}"/>
+                <a16:creationId xmlns:a16="http://schemas.microsoft.com/office/drawing/2014/main" xmlns="" id="{36444A47-BCB3-5C86-F2B8-25092BE8D9FF}"/>
               </a:ext>
             </a:extLst>
           </p:cNvPr>
@@ -2876,10 +2877,10 @@
           <p:cNvPr id="23" name="Прямая соединительная линия 22">
             <a:extLst>
               <a:ext uri="{FF2B5EF4-FFF2-40B4-BE49-F238E27FC236}">
-                <a16:creationId xmlns:a16="http://schemas.microsoft.com/office/drawing/2014/main" id="{C648C53D-49AB-C003-70E8-5117AF079715}"/>
+                <a16:creationId xmlns:a16="http://schemas.microsoft.com/office/drawing/2014/main" xmlns="" id="{C648C53D-49AB-C003-70E8-5117AF079715}"/>
               </a:ext>
               <a:ext uri="{C183D7F6-B498-43B3-948B-1728B52AA6E4}">
-                <adec:decorative xmlns:adec="http://schemas.microsoft.com/office/drawing/2017/decorative" val="1"/>
+                <adec:decorative xmlns:adec="http://schemas.microsoft.com/office/drawing/2017/decorative" xmlns="" val="1"/>
               </a:ext>
             </a:extLst>
           </p:cNvPr>
@@ -2932,10 +2933,10 @@
           <p:cNvPr id="24" name="Группа 23">
             <a:extLst>
               <a:ext uri="{FF2B5EF4-FFF2-40B4-BE49-F238E27FC236}">
-                <a16:creationId xmlns:a16="http://schemas.microsoft.com/office/drawing/2014/main" id="{A96BC1DE-6696-3408-564E-2D73B1266326}"/>
+                <a16:creationId xmlns:a16="http://schemas.microsoft.com/office/drawing/2014/main" xmlns="" id="{A96BC1DE-6696-3408-564E-2D73B1266326}"/>
               </a:ext>
               <a:ext uri="{C183D7F6-B498-43B3-948B-1728B52AA6E4}">
-                <adec:decorative xmlns:adec="http://schemas.microsoft.com/office/drawing/2017/decorative" val="1"/>
+                <adec:decorative xmlns:adec="http://schemas.microsoft.com/office/drawing/2017/decorative" xmlns="" val="1"/>
               </a:ext>
             </a:extLst>
           </p:cNvPr>
@@ -2955,10 +2956,10 @@
             <p:cNvPr id="25" name="Графический объект 15">
               <a:extLst>
                 <a:ext uri="{FF2B5EF4-FFF2-40B4-BE49-F238E27FC236}">
-                  <a16:creationId xmlns:a16="http://schemas.microsoft.com/office/drawing/2014/main" id="{268EB1E4-29D6-C3F5-BCBB-FB7E7EE5C25C}"/>
+                  <a16:creationId xmlns:a16="http://schemas.microsoft.com/office/drawing/2014/main" xmlns="" id="{268EB1E4-29D6-C3F5-BCBB-FB7E7EE5C25C}"/>
                 </a:ext>
                 <a:ext uri="{C183D7F6-B498-43B3-948B-1728B52AA6E4}">
-                  <adec:decorative xmlns:adec="http://schemas.microsoft.com/office/drawing/2017/decorative" val="1"/>
+                  <adec:decorative xmlns:adec="http://schemas.microsoft.com/office/drawing/2017/decorative" xmlns="" val="1"/>
                 </a:ext>
               </a:extLst>
             </p:cNvPr>
@@ -3163,10 +3164,10 @@
             <p:cNvPr id="26" name="Графический объект 16">
               <a:extLst>
                 <a:ext uri="{FF2B5EF4-FFF2-40B4-BE49-F238E27FC236}">
-                  <a16:creationId xmlns:a16="http://schemas.microsoft.com/office/drawing/2014/main" id="{09524D46-140F-2F4F-430B-F59815A07CF1}"/>
+                  <a16:creationId xmlns:a16="http://schemas.microsoft.com/office/drawing/2014/main" xmlns="" id="{09524D46-140F-2F4F-430B-F59815A07CF1}"/>
                 </a:ext>
                 <a:ext uri="{C183D7F6-B498-43B3-948B-1728B52AA6E4}">
-                  <adec:decorative xmlns:adec="http://schemas.microsoft.com/office/drawing/2017/decorative" val="1"/>
+                  <adec:decorative xmlns:adec="http://schemas.microsoft.com/office/drawing/2017/decorative" xmlns="" val="1"/>
                 </a:ext>
               </a:extLst>
             </p:cNvPr>
@@ -3315,10 +3316,10 @@
             <p:cNvPr id="27" name="Графический объект 14">
               <a:extLst>
                 <a:ext uri="{FF2B5EF4-FFF2-40B4-BE49-F238E27FC236}">
-                  <a16:creationId xmlns:a16="http://schemas.microsoft.com/office/drawing/2014/main" id="{AC75143B-C717-8D04-743C-B40FB5EFB21C}"/>
+                  <a16:creationId xmlns:a16="http://schemas.microsoft.com/office/drawing/2014/main" xmlns="" id="{AC75143B-C717-8D04-743C-B40FB5EFB21C}"/>
                 </a:ext>
                 <a:ext uri="{C183D7F6-B498-43B3-948B-1728B52AA6E4}">
-                  <adec:decorative xmlns:adec="http://schemas.microsoft.com/office/drawing/2017/decorative" val="1"/>
+                  <adec:decorative xmlns:adec="http://schemas.microsoft.com/office/drawing/2017/decorative" xmlns="" val="1"/>
                 </a:ext>
               </a:extLst>
             </p:cNvPr>
@@ -3450,7 +3451,7 @@
           <p:cNvPr id="2" name="Заголовок 1">
             <a:extLst>
               <a:ext uri="{FF2B5EF4-FFF2-40B4-BE49-F238E27FC236}">
-                <a16:creationId xmlns:a16="http://schemas.microsoft.com/office/drawing/2014/main" id="{9696CF8C-1EA0-4E47-AC60-CAC3B80A3C5D}"/>
+                <a16:creationId xmlns:a16="http://schemas.microsoft.com/office/drawing/2014/main" xmlns="" id="{9696CF8C-1EA0-4E47-AC60-CAC3B80A3C5D}"/>
               </a:ext>
             </a:extLst>
           </p:cNvPr>
@@ -3488,7 +3489,7 @@
           <p:cNvPr id="10" name="Номер слайда 9">
             <a:extLst>
               <a:ext uri="{FF2B5EF4-FFF2-40B4-BE49-F238E27FC236}">
-                <a16:creationId xmlns:a16="http://schemas.microsoft.com/office/drawing/2014/main" id="{116B8DF0-B7E6-5032-C3C7-E457E793BE37}"/>
+                <a16:creationId xmlns:a16="http://schemas.microsoft.com/office/drawing/2014/main" xmlns="" id="{116B8DF0-B7E6-5032-C3C7-E457E793BE37}"/>
               </a:ext>
             </a:extLst>
           </p:cNvPr>
@@ -3523,7 +3524,7 @@
           <p:cNvPr id="3" name="Объект 2">
             <a:extLst>
               <a:ext uri="{FF2B5EF4-FFF2-40B4-BE49-F238E27FC236}">
-                <a16:creationId xmlns:a16="http://schemas.microsoft.com/office/drawing/2014/main" id="{628CABF8-19D8-4F3C-994F-4D35EC7A2C3E}"/>
+                <a16:creationId xmlns:a16="http://schemas.microsoft.com/office/drawing/2014/main" xmlns="" id="{628CABF8-19D8-4F3C-994F-4D35EC7A2C3E}"/>
               </a:ext>
             </a:extLst>
           </p:cNvPr>
@@ -3589,10 +3590,10 @@
           <p:cNvPr id="7" name="Прямая соединительная линия 6">
             <a:extLst>
               <a:ext uri="{FF2B5EF4-FFF2-40B4-BE49-F238E27FC236}">
-                <a16:creationId xmlns:a16="http://schemas.microsoft.com/office/drawing/2014/main" id="{5C05CAAB-DBA2-4548-AD5F-01BB97FBB207}"/>
+                <a16:creationId xmlns:a16="http://schemas.microsoft.com/office/drawing/2014/main" xmlns="" id="{5C05CAAB-DBA2-4548-AD5F-01BB97FBB207}"/>
               </a:ext>
               <a:ext uri="{C183D7F6-B498-43B3-948B-1728B52AA6E4}">
-                <adec:decorative xmlns:adec="http://schemas.microsoft.com/office/drawing/2017/decorative" val="1"/>
+                <adec:decorative xmlns:adec="http://schemas.microsoft.com/office/drawing/2017/decorative" xmlns="" val="1"/>
               </a:ext>
             </a:extLst>
           </p:cNvPr>
@@ -3645,7 +3646,7 @@
           <p:cNvPr id="9" name="Нижний колонтитул 8">
             <a:extLst>
               <a:ext uri="{FF2B5EF4-FFF2-40B4-BE49-F238E27FC236}">
-                <a16:creationId xmlns:a16="http://schemas.microsoft.com/office/drawing/2014/main" id="{DC5F4D40-ADE4-5EEB-436C-8563A49C55F8}"/>
+                <a16:creationId xmlns:a16="http://schemas.microsoft.com/office/drawing/2014/main" xmlns="" id="{DC5F4D40-ADE4-5EEB-436C-8563A49C55F8}"/>
               </a:ext>
             </a:extLst>
           </p:cNvPr>
@@ -3726,7 +3727,7 @@
           <p:cNvPr id="2" name="Заголовок 1">
             <a:extLst>
               <a:ext uri="{FF2B5EF4-FFF2-40B4-BE49-F238E27FC236}">
-                <a16:creationId xmlns:a16="http://schemas.microsoft.com/office/drawing/2014/main" id="{E969F227-D21C-48B3-828A-6BFA9585E82F}"/>
+                <a16:creationId xmlns:a16="http://schemas.microsoft.com/office/drawing/2014/main" xmlns="" id="{E969F227-D21C-48B3-828A-6BFA9585E82F}"/>
               </a:ext>
             </a:extLst>
           </p:cNvPr>
@@ -3772,7 +3773,7 @@
           <p:cNvPr id="7" name="Рисунок 14">
             <a:extLst>
               <a:ext uri="{FF2B5EF4-FFF2-40B4-BE49-F238E27FC236}">
-                <a16:creationId xmlns:a16="http://schemas.microsoft.com/office/drawing/2014/main" id="{FC9B12A4-113B-B3F6-5926-5C2A6F504ABA}"/>
+                <a16:creationId xmlns:a16="http://schemas.microsoft.com/office/drawing/2014/main" xmlns="" id="{FC9B12A4-113B-B3F6-5926-5C2A6F504ABA}"/>
               </a:ext>
             </a:extLst>
           </p:cNvPr>
@@ -3927,7 +3928,7 @@
           <p:cNvPr id="16" name="Текст 15">
             <a:extLst>
               <a:ext uri="{FF2B5EF4-FFF2-40B4-BE49-F238E27FC236}">
-                <a16:creationId xmlns:a16="http://schemas.microsoft.com/office/drawing/2014/main" id="{A928810C-E773-43AE-A2A1-4073955CC8DA}"/>
+                <a16:creationId xmlns:a16="http://schemas.microsoft.com/office/drawing/2014/main" xmlns="" id="{A928810C-E773-43AE-A2A1-4073955CC8DA}"/>
               </a:ext>
             </a:extLst>
           </p:cNvPr>
@@ -3975,10 +3976,10 @@
           <p:cNvPr id="3" name="Группа 2">
             <a:extLst>
               <a:ext uri="{FF2B5EF4-FFF2-40B4-BE49-F238E27FC236}">
-                <a16:creationId xmlns:a16="http://schemas.microsoft.com/office/drawing/2014/main" id="{8AF51D36-DB19-27CD-47E0-A4261648DA12}"/>
+                <a16:creationId xmlns:a16="http://schemas.microsoft.com/office/drawing/2014/main" xmlns="" id="{8AF51D36-DB19-27CD-47E0-A4261648DA12}"/>
               </a:ext>
               <a:ext uri="{C183D7F6-B498-43B3-948B-1728B52AA6E4}">
-                <adec:decorative xmlns:adec="http://schemas.microsoft.com/office/drawing/2017/decorative" val="1"/>
+                <adec:decorative xmlns:adec="http://schemas.microsoft.com/office/drawing/2017/decorative" xmlns="" val="1"/>
               </a:ext>
             </a:extLst>
           </p:cNvPr>
@@ -3998,7 +3999,7 @@
             <p:cNvPr id="4" name="Графический объект 12">
               <a:extLst>
                 <a:ext uri="{FF2B5EF4-FFF2-40B4-BE49-F238E27FC236}">
-                  <a16:creationId xmlns:a16="http://schemas.microsoft.com/office/drawing/2014/main" id="{3EFED0E0-17D4-C5B0-09D0-B43338A856B3}"/>
+                  <a16:creationId xmlns:a16="http://schemas.microsoft.com/office/drawing/2014/main" xmlns="" id="{3EFED0E0-17D4-C5B0-09D0-B43338A856B3}"/>
                 </a:ext>
               </a:extLst>
             </p:cNvPr>
@@ -4099,7 +4100,7 @@
             <p:cNvPr id="5" name="Графический объект 13">
               <a:extLst>
                 <a:ext uri="{FF2B5EF4-FFF2-40B4-BE49-F238E27FC236}">
-                  <a16:creationId xmlns:a16="http://schemas.microsoft.com/office/drawing/2014/main" id="{8F798BBE-9B6F-700D-08A1-09ABC5388CCE}"/>
+                  <a16:creationId xmlns:a16="http://schemas.microsoft.com/office/drawing/2014/main" xmlns="" id="{8F798BBE-9B6F-700D-08A1-09ABC5388CCE}"/>
                 </a:ext>
               </a:extLst>
             </p:cNvPr>
@@ -4304,7 +4305,7 @@
             <p:cNvPr id="6" name="Графический объект 15">
               <a:extLst>
                 <a:ext uri="{FF2B5EF4-FFF2-40B4-BE49-F238E27FC236}">
-                  <a16:creationId xmlns:a16="http://schemas.microsoft.com/office/drawing/2014/main" id="{4AE2D1C5-9D85-9049-690C-3AFCE7E2DA56}"/>
+                  <a16:creationId xmlns:a16="http://schemas.microsoft.com/office/drawing/2014/main" xmlns="" id="{4AE2D1C5-9D85-9049-690C-3AFCE7E2DA56}"/>
                 </a:ext>
               </a:extLst>
             </p:cNvPr>
@@ -4454,10 +4455,10 @@
           <p:cNvPr id="13" name="Прямая соединительная линия 12">
             <a:extLst>
               <a:ext uri="{FF2B5EF4-FFF2-40B4-BE49-F238E27FC236}">
-                <a16:creationId xmlns:a16="http://schemas.microsoft.com/office/drawing/2014/main" id="{9D0FE75D-ACD3-655E-58A7-8F2C182760B4}"/>
+                <a16:creationId xmlns:a16="http://schemas.microsoft.com/office/drawing/2014/main" xmlns="" id="{9D0FE75D-ACD3-655E-58A7-8F2C182760B4}"/>
               </a:ext>
               <a:ext uri="{C183D7F6-B498-43B3-948B-1728B52AA6E4}">
-                <adec:decorative xmlns:adec="http://schemas.microsoft.com/office/drawing/2017/decorative" val="1"/>
+                <adec:decorative xmlns:adec="http://schemas.microsoft.com/office/drawing/2017/decorative" xmlns="" val="1"/>
               </a:ext>
             </a:extLst>
           </p:cNvPr>
@@ -4531,7 +4532,7 @@
           <p:cNvPr id="2" name="Заголовок 1">
             <a:extLst>
               <a:ext uri="{FF2B5EF4-FFF2-40B4-BE49-F238E27FC236}">
-                <a16:creationId xmlns:a16="http://schemas.microsoft.com/office/drawing/2014/main" id="{E969F227-D21C-48B3-828A-6BFA9585E82F}"/>
+                <a16:creationId xmlns:a16="http://schemas.microsoft.com/office/drawing/2014/main" xmlns="" id="{E969F227-D21C-48B3-828A-6BFA9585E82F}"/>
               </a:ext>
             </a:extLst>
           </p:cNvPr>
@@ -4569,7 +4570,7 @@
           <p:cNvPr id="4" name="Нижний колонтитул 3">
             <a:extLst>
               <a:ext uri="{FF2B5EF4-FFF2-40B4-BE49-F238E27FC236}">
-                <a16:creationId xmlns:a16="http://schemas.microsoft.com/office/drawing/2014/main" id="{7EBC03C0-6EB7-4633-967C-12C35768BB58}"/>
+                <a16:creationId xmlns:a16="http://schemas.microsoft.com/office/drawing/2014/main" xmlns="" id="{7EBC03C0-6EB7-4633-967C-12C35768BB58}"/>
               </a:ext>
             </a:extLst>
           </p:cNvPr>
@@ -4607,7 +4608,7 @@
           <p:cNvPr id="5" name="Номер слайда 4">
             <a:extLst>
               <a:ext uri="{FF2B5EF4-FFF2-40B4-BE49-F238E27FC236}">
-                <a16:creationId xmlns:a16="http://schemas.microsoft.com/office/drawing/2014/main" id="{30FF4306-91CD-4B7B-8A53-34BE8F997581}"/>
+                <a16:creationId xmlns:a16="http://schemas.microsoft.com/office/drawing/2014/main" xmlns="" id="{30FF4306-91CD-4B7B-8A53-34BE8F997581}"/>
               </a:ext>
             </a:extLst>
           </p:cNvPr>
@@ -4646,10 +4647,10 @@
           <p:cNvPr id="3" name="Прямая соединительная линия 2">
             <a:extLst>
               <a:ext uri="{FF2B5EF4-FFF2-40B4-BE49-F238E27FC236}">
-                <a16:creationId xmlns:a16="http://schemas.microsoft.com/office/drawing/2014/main" id="{B5B2B208-F5B9-0151-C982-A389CB0B2996}"/>
+                <a16:creationId xmlns:a16="http://schemas.microsoft.com/office/drawing/2014/main" xmlns="" id="{B5B2B208-F5B9-0151-C982-A389CB0B2996}"/>
               </a:ext>
               <a:ext uri="{C183D7F6-B498-43B3-948B-1728B52AA6E4}">
-                <adec:decorative xmlns:adec="http://schemas.microsoft.com/office/drawing/2017/decorative" val="1"/>
+                <adec:decorative xmlns:adec="http://schemas.microsoft.com/office/drawing/2017/decorative" xmlns="" val="1"/>
               </a:ext>
             </a:extLst>
           </p:cNvPr>
@@ -4732,10 +4733,10 @@
           <p:cNvPr id="2" name="Прямая соединительная линия 1">
             <a:extLst>
               <a:ext uri="{FF2B5EF4-FFF2-40B4-BE49-F238E27FC236}">
-                <a16:creationId xmlns:a16="http://schemas.microsoft.com/office/drawing/2014/main" id="{20EEA6CA-DE1E-18ED-E69E-54A1372FE216}"/>
+                <a16:creationId xmlns:a16="http://schemas.microsoft.com/office/drawing/2014/main" xmlns="" id="{20EEA6CA-DE1E-18ED-E69E-54A1372FE216}"/>
               </a:ext>
               <a:ext uri="{C183D7F6-B498-43B3-948B-1728B52AA6E4}">
-                <adec:decorative xmlns:adec="http://schemas.microsoft.com/office/drawing/2017/decorative" val="1"/>
+                <adec:decorative xmlns:adec="http://schemas.microsoft.com/office/drawing/2017/decorative" xmlns="" val="1"/>
               </a:ext>
             </a:extLst>
           </p:cNvPr>
@@ -4788,7 +4789,7 @@
           <p:cNvPr id="8" name="Нижний колонтитул 7">
             <a:extLst>
               <a:ext uri="{FF2B5EF4-FFF2-40B4-BE49-F238E27FC236}">
-                <a16:creationId xmlns:a16="http://schemas.microsoft.com/office/drawing/2014/main" id="{2F973C81-5E94-41F6-CE15-3B4763B3ABEB}"/>
+                <a16:creationId xmlns:a16="http://schemas.microsoft.com/office/drawing/2014/main" xmlns="" id="{2F973C81-5E94-41F6-CE15-3B4763B3ABEB}"/>
               </a:ext>
             </a:extLst>
           </p:cNvPr>
@@ -4818,7 +4819,7 @@
           <p:cNvPr id="9" name="Номер слайда 8">
             <a:extLst>
               <a:ext uri="{FF2B5EF4-FFF2-40B4-BE49-F238E27FC236}">
-                <a16:creationId xmlns:a16="http://schemas.microsoft.com/office/drawing/2014/main" id="{2C835B5C-F994-9D57-3118-919EE90F57E1}"/>
+                <a16:creationId xmlns:a16="http://schemas.microsoft.com/office/drawing/2014/main" xmlns="" id="{2C835B5C-F994-9D57-3118-919EE90F57E1}"/>
               </a:ext>
             </a:extLst>
           </p:cNvPr>
@@ -4899,7 +4900,7 @@
           <p:cNvPr id="2" name="Заголовок 1">
             <a:extLst>
               <a:ext uri="{FF2B5EF4-FFF2-40B4-BE49-F238E27FC236}">
-                <a16:creationId xmlns:a16="http://schemas.microsoft.com/office/drawing/2014/main" id="{F6640AAD-80AF-40E7-BE3F-43D32FC68ED4}"/>
+                <a16:creationId xmlns:a16="http://schemas.microsoft.com/office/drawing/2014/main" xmlns="" id="{F6640AAD-80AF-40E7-BE3F-43D32FC68ED4}"/>
               </a:ext>
             </a:extLst>
           </p:cNvPr>
@@ -4944,10 +4945,10 @@
           <p:cNvPr id="9" name="Прямая соединительная линия 8">
             <a:extLst>
               <a:ext uri="{FF2B5EF4-FFF2-40B4-BE49-F238E27FC236}">
-                <a16:creationId xmlns:a16="http://schemas.microsoft.com/office/drawing/2014/main" id="{8E825845-66DD-4B77-A729-CD97D156FE6C}"/>
+                <a16:creationId xmlns:a16="http://schemas.microsoft.com/office/drawing/2014/main" xmlns="" id="{8E825845-66DD-4B77-A729-CD97D156FE6C}"/>
               </a:ext>
               <a:ext uri="{C183D7F6-B498-43B3-948B-1728B52AA6E4}">
-                <adec:decorative xmlns:adec="http://schemas.microsoft.com/office/drawing/2017/decorative" val="1"/>
+                <adec:decorative xmlns:adec="http://schemas.microsoft.com/office/drawing/2017/decorative" xmlns="" val="1"/>
               </a:ext>
             </a:extLst>
           </p:cNvPr>
@@ -4991,10 +4992,10 @@
           <p:cNvPr id="4" name="Группа 3">
             <a:extLst>
               <a:ext uri="{FF2B5EF4-FFF2-40B4-BE49-F238E27FC236}">
-                <a16:creationId xmlns:a16="http://schemas.microsoft.com/office/drawing/2014/main" id="{22749162-63A5-5BF9-895E-B0577A6C47E0}"/>
+                <a16:creationId xmlns:a16="http://schemas.microsoft.com/office/drawing/2014/main" xmlns="" id="{22749162-63A5-5BF9-895E-B0577A6C47E0}"/>
               </a:ext>
               <a:ext uri="{C183D7F6-B498-43B3-948B-1728B52AA6E4}">
-                <adec:decorative xmlns:adec="http://schemas.microsoft.com/office/drawing/2017/decorative" val="1"/>
+                <adec:decorative xmlns:adec="http://schemas.microsoft.com/office/drawing/2017/decorative" xmlns="" val="1"/>
               </a:ext>
             </a:extLst>
           </p:cNvPr>
@@ -5014,7 +5015,7 @@
             <p:cNvPr id="19" name="Графический объект 12">
               <a:extLst>
                 <a:ext uri="{FF2B5EF4-FFF2-40B4-BE49-F238E27FC236}">
-                  <a16:creationId xmlns:a16="http://schemas.microsoft.com/office/drawing/2014/main" id="{818B4386-1FCF-4ACE-BE25-AF9CC5E2256F}"/>
+                  <a16:creationId xmlns:a16="http://schemas.microsoft.com/office/drawing/2014/main" xmlns="" id="{818B4386-1FCF-4ACE-BE25-AF9CC5E2256F}"/>
                 </a:ext>
               </a:extLst>
             </p:cNvPr>
@@ -5115,7 +5116,7 @@
             <p:cNvPr id="21" name="Графический объект 13">
               <a:extLst>
                 <a:ext uri="{FF2B5EF4-FFF2-40B4-BE49-F238E27FC236}">
-                  <a16:creationId xmlns:a16="http://schemas.microsoft.com/office/drawing/2014/main" id="{19319560-50ED-4963-A2CF-74663239D426}"/>
+                  <a16:creationId xmlns:a16="http://schemas.microsoft.com/office/drawing/2014/main" xmlns="" id="{19319560-50ED-4963-A2CF-74663239D426}"/>
                 </a:ext>
               </a:extLst>
             </p:cNvPr>
@@ -5320,7 +5321,7 @@
             <p:cNvPr id="23" name="Графический объект 15">
               <a:extLst>
                 <a:ext uri="{FF2B5EF4-FFF2-40B4-BE49-F238E27FC236}">
-                  <a16:creationId xmlns:a16="http://schemas.microsoft.com/office/drawing/2014/main" id="{E5ABBDAD-943D-48F3-9C80-B29C48966C79}"/>
+                  <a16:creationId xmlns:a16="http://schemas.microsoft.com/office/drawing/2014/main" xmlns="" id="{E5ABBDAD-943D-48F3-9C80-B29C48966C79}"/>
                 </a:ext>
               </a:extLst>
             </p:cNvPr>
@@ -5470,7 +5471,7 @@
           <p:cNvPr id="3" name="Рисунок 14">
             <a:extLst>
               <a:ext uri="{FF2B5EF4-FFF2-40B4-BE49-F238E27FC236}">
-                <a16:creationId xmlns:a16="http://schemas.microsoft.com/office/drawing/2014/main" id="{01D87F51-D69B-9038-0566-4FDC355AB6F0}"/>
+                <a16:creationId xmlns:a16="http://schemas.microsoft.com/office/drawing/2014/main" xmlns="" id="{01D87F51-D69B-9038-0566-4FDC355AB6F0}"/>
               </a:ext>
             </a:extLst>
           </p:cNvPr>
@@ -5671,7 +5672,7 @@
           <p:cNvPr id="2" name="Заголовок 1">
             <a:extLst>
               <a:ext uri="{FF2B5EF4-FFF2-40B4-BE49-F238E27FC236}">
-                <a16:creationId xmlns:a16="http://schemas.microsoft.com/office/drawing/2014/main" id="{E969F227-D21C-48B3-828A-6BFA9585E82F}"/>
+                <a16:creationId xmlns:a16="http://schemas.microsoft.com/office/drawing/2014/main" xmlns="" id="{E969F227-D21C-48B3-828A-6BFA9585E82F}"/>
               </a:ext>
             </a:extLst>
           </p:cNvPr>
@@ -5716,7 +5717,7 @@
           <p:cNvPr id="8" name="Номер слайда 7">
             <a:extLst>
               <a:ext uri="{FF2B5EF4-FFF2-40B4-BE49-F238E27FC236}">
-                <a16:creationId xmlns:a16="http://schemas.microsoft.com/office/drawing/2014/main" id="{1C738AB3-8054-6E21-C34C-36AF3A31AC4E}"/>
+                <a16:creationId xmlns:a16="http://schemas.microsoft.com/office/drawing/2014/main" xmlns="" id="{1C738AB3-8054-6E21-C34C-36AF3A31AC4E}"/>
               </a:ext>
             </a:extLst>
           </p:cNvPr>
@@ -5755,7 +5756,7 @@
           <p:cNvPr id="19" name="Рисунок 18">
             <a:extLst>
               <a:ext uri="{FF2B5EF4-FFF2-40B4-BE49-F238E27FC236}">
-                <a16:creationId xmlns:a16="http://schemas.microsoft.com/office/drawing/2014/main" id="{34120D15-E48C-4FBE-BB95-24DB36D9F458}"/>
+                <a16:creationId xmlns:a16="http://schemas.microsoft.com/office/drawing/2014/main" xmlns="" id="{34120D15-E48C-4FBE-BB95-24DB36D9F458}"/>
               </a:ext>
             </a:extLst>
           </p:cNvPr>
@@ -5886,7 +5887,7 @@
           <p:cNvPr id="4" name="Текст 3">
             <a:extLst>
               <a:ext uri="{FF2B5EF4-FFF2-40B4-BE49-F238E27FC236}">
-                <a16:creationId xmlns:a16="http://schemas.microsoft.com/office/drawing/2014/main" id="{94FD1B85-4BEF-C1C1-5619-B82E9E44A9F8}"/>
+                <a16:creationId xmlns:a16="http://schemas.microsoft.com/office/drawing/2014/main" xmlns="" id="{94FD1B85-4BEF-C1C1-5619-B82E9E44A9F8}"/>
               </a:ext>
             </a:extLst>
           </p:cNvPr>
@@ -5975,10 +5976,10 @@
           <p:cNvPr id="14" name="Прямая соединительная линия 13">
             <a:extLst>
               <a:ext uri="{FF2B5EF4-FFF2-40B4-BE49-F238E27FC236}">
-                <a16:creationId xmlns:a16="http://schemas.microsoft.com/office/drawing/2014/main" id="{13AE7F8D-AE68-4A83-BAB5-3A97D473CE3C}"/>
+                <a16:creationId xmlns:a16="http://schemas.microsoft.com/office/drawing/2014/main" xmlns="" id="{13AE7F8D-AE68-4A83-BAB5-3A97D473CE3C}"/>
               </a:ext>
               <a:ext uri="{C183D7F6-B498-43B3-948B-1728B52AA6E4}">
-                <adec:decorative xmlns:adec="http://schemas.microsoft.com/office/drawing/2017/decorative" val="1"/>
+                <adec:decorative xmlns:adec="http://schemas.microsoft.com/office/drawing/2017/decorative" xmlns="" val="1"/>
               </a:ext>
             </a:extLst>
           </p:cNvPr>
@@ -6022,10 +6023,10 @@
           <p:cNvPr id="11" name="Графический объект 12">
             <a:extLst>
               <a:ext uri="{FF2B5EF4-FFF2-40B4-BE49-F238E27FC236}">
-                <a16:creationId xmlns:a16="http://schemas.microsoft.com/office/drawing/2014/main" id="{EA1B6985-3E5A-40F4-9268-D4AB3BBF8C91}"/>
+                <a16:creationId xmlns:a16="http://schemas.microsoft.com/office/drawing/2014/main" xmlns="" id="{EA1B6985-3E5A-40F4-9268-D4AB3BBF8C91}"/>
               </a:ext>
               <a:ext uri="{C183D7F6-B498-43B3-948B-1728B52AA6E4}">
-                <adec:decorative xmlns:adec="http://schemas.microsoft.com/office/drawing/2017/decorative" val="1"/>
+                <adec:decorative xmlns:adec="http://schemas.microsoft.com/office/drawing/2017/decorative" xmlns="" val="1"/>
               </a:ext>
             </a:extLst>
           </p:cNvPr>
@@ -6126,10 +6127,10 @@
           <p:cNvPr id="13" name="Графический объект 13">
             <a:extLst>
               <a:ext uri="{FF2B5EF4-FFF2-40B4-BE49-F238E27FC236}">
-                <a16:creationId xmlns:a16="http://schemas.microsoft.com/office/drawing/2014/main" id="{338BC906-9D03-4280-85E8-21A81BC21D73}"/>
+                <a16:creationId xmlns:a16="http://schemas.microsoft.com/office/drawing/2014/main" xmlns="" id="{338BC906-9D03-4280-85E8-21A81BC21D73}"/>
               </a:ext>
               <a:ext uri="{C183D7F6-B498-43B3-948B-1728B52AA6E4}">
-                <adec:decorative xmlns:adec="http://schemas.microsoft.com/office/drawing/2017/decorative" val="1"/>
+                <adec:decorative xmlns:adec="http://schemas.microsoft.com/office/drawing/2017/decorative" xmlns="" val="1"/>
               </a:ext>
             </a:extLst>
           </p:cNvPr>
@@ -6334,10 +6335,10 @@
           <p:cNvPr id="17" name="Графический объект 15">
             <a:extLst>
               <a:ext uri="{FF2B5EF4-FFF2-40B4-BE49-F238E27FC236}">
-                <a16:creationId xmlns:a16="http://schemas.microsoft.com/office/drawing/2014/main" id="{C5C06D53-C9F6-47E8-BFE1-B8193A1AED8B}"/>
+                <a16:creationId xmlns:a16="http://schemas.microsoft.com/office/drawing/2014/main" xmlns="" id="{C5C06D53-C9F6-47E8-BFE1-B8193A1AED8B}"/>
               </a:ext>
               <a:ext uri="{C183D7F6-B498-43B3-948B-1728B52AA6E4}">
-                <adec:decorative xmlns:adec="http://schemas.microsoft.com/office/drawing/2017/decorative" val="1"/>
+                <adec:decorative xmlns:adec="http://schemas.microsoft.com/office/drawing/2017/decorative" xmlns="" val="1"/>
               </a:ext>
             </a:extLst>
           </p:cNvPr>
@@ -6486,7 +6487,7 @@
           <p:cNvPr id="7" name="Нижний колонтитул 6">
             <a:extLst>
               <a:ext uri="{FF2B5EF4-FFF2-40B4-BE49-F238E27FC236}">
-                <a16:creationId xmlns:a16="http://schemas.microsoft.com/office/drawing/2014/main" id="{CE9872E9-2F0D-2FEB-0974-F0BBBC5E0331}"/>
+                <a16:creationId xmlns:a16="http://schemas.microsoft.com/office/drawing/2014/main" xmlns="" id="{CE9872E9-2F0D-2FEB-0974-F0BBBC5E0331}"/>
               </a:ext>
             </a:extLst>
           </p:cNvPr>
@@ -6525,7 +6526,7 @@
           <p:cNvPr id="12" name="Текст 3">
             <a:extLst>
               <a:ext uri="{FF2B5EF4-FFF2-40B4-BE49-F238E27FC236}">
-                <a16:creationId xmlns:a16="http://schemas.microsoft.com/office/drawing/2014/main" id="{CC84B38B-DDA5-4747-AE06-ED9DE3DA55A6}"/>
+                <a16:creationId xmlns:a16="http://schemas.microsoft.com/office/drawing/2014/main" xmlns="" id="{CC84B38B-DDA5-4747-AE06-ED9DE3DA55A6}"/>
               </a:ext>
             </a:extLst>
           </p:cNvPr>
@@ -6614,7 +6615,7 @@
           <p:cNvPr id="15" name="Текст 3">
             <a:extLst>
               <a:ext uri="{FF2B5EF4-FFF2-40B4-BE49-F238E27FC236}">
-                <a16:creationId xmlns:a16="http://schemas.microsoft.com/office/drawing/2014/main" id="{0C0CDDFE-A20A-4EF9-8E3C-9C3589742683}"/>
+                <a16:creationId xmlns:a16="http://schemas.microsoft.com/office/drawing/2014/main" xmlns="" id="{0C0CDDFE-A20A-4EF9-8E3C-9C3589742683}"/>
               </a:ext>
             </a:extLst>
           </p:cNvPr>
@@ -6749,7 +6750,7 @@
           <p:cNvPr id="2" name="Заголовок 1">
             <a:extLst>
               <a:ext uri="{FF2B5EF4-FFF2-40B4-BE49-F238E27FC236}">
-                <a16:creationId xmlns:a16="http://schemas.microsoft.com/office/drawing/2014/main" id="{F6640AAD-80AF-40E7-BE3F-43D32FC68ED4}"/>
+                <a16:creationId xmlns:a16="http://schemas.microsoft.com/office/drawing/2014/main" xmlns="" id="{F6640AAD-80AF-40E7-BE3F-43D32FC68ED4}"/>
               </a:ext>
             </a:extLst>
           </p:cNvPr>
@@ -6794,7 +6795,7 @@
           <p:cNvPr id="3" name="Подзаголовок 2">
             <a:extLst>
               <a:ext uri="{FF2B5EF4-FFF2-40B4-BE49-F238E27FC236}">
-                <a16:creationId xmlns:a16="http://schemas.microsoft.com/office/drawing/2014/main" id="{EC80FBD9-0977-4B2B-9318-30774BB0947C}"/>
+                <a16:creationId xmlns:a16="http://schemas.microsoft.com/office/drawing/2014/main" xmlns="" id="{EC80FBD9-0977-4B2B-9318-30774BB0947C}"/>
               </a:ext>
             </a:extLst>
           </p:cNvPr>
@@ -6871,10 +6872,10 @@
           <p:cNvPr id="9" name="Прямая соединительная линия 8">
             <a:extLst>
               <a:ext uri="{FF2B5EF4-FFF2-40B4-BE49-F238E27FC236}">
-                <a16:creationId xmlns:a16="http://schemas.microsoft.com/office/drawing/2014/main" id="{8E825845-66DD-4B77-A729-CD97D156FE6C}"/>
+                <a16:creationId xmlns:a16="http://schemas.microsoft.com/office/drawing/2014/main" xmlns="" id="{8E825845-66DD-4B77-A729-CD97D156FE6C}"/>
               </a:ext>
               <a:ext uri="{C183D7F6-B498-43B3-948B-1728B52AA6E4}">
-                <adec:decorative xmlns:adec="http://schemas.microsoft.com/office/drawing/2017/decorative" val="1"/>
+                <adec:decorative xmlns:adec="http://schemas.microsoft.com/office/drawing/2017/decorative" xmlns="" val="1"/>
               </a:ext>
             </a:extLst>
           </p:cNvPr>
@@ -6918,10 +6919,10 @@
           <p:cNvPr id="4" name="Группа 3">
             <a:extLst>
               <a:ext uri="{FF2B5EF4-FFF2-40B4-BE49-F238E27FC236}">
-                <a16:creationId xmlns:a16="http://schemas.microsoft.com/office/drawing/2014/main" id="{22749162-63A5-5BF9-895E-B0577A6C47E0}"/>
+                <a16:creationId xmlns:a16="http://schemas.microsoft.com/office/drawing/2014/main" xmlns="" id="{22749162-63A5-5BF9-895E-B0577A6C47E0}"/>
               </a:ext>
               <a:ext uri="{C183D7F6-B498-43B3-948B-1728B52AA6E4}">
-                <adec:decorative xmlns:adec="http://schemas.microsoft.com/office/drawing/2017/decorative" val="1"/>
+                <adec:decorative xmlns:adec="http://schemas.microsoft.com/office/drawing/2017/decorative" xmlns="" val="1"/>
               </a:ext>
             </a:extLst>
           </p:cNvPr>
@@ -6941,7 +6942,7 @@
             <p:cNvPr id="19" name="Графический объект 12">
               <a:extLst>
                 <a:ext uri="{FF2B5EF4-FFF2-40B4-BE49-F238E27FC236}">
-                  <a16:creationId xmlns:a16="http://schemas.microsoft.com/office/drawing/2014/main" id="{818B4386-1FCF-4ACE-BE25-AF9CC5E2256F}"/>
+                  <a16:creationId xmlns:a16="http://schemas.microsoft.com/office/drawing/2014/main" xmlns="" id="{818B4386-1FCF-4ACE-BE25-AF9CC5E2256F}"/>
                 </a:ext>
               </a:extLst>
             </p:cNvPr>
@@ -7042,7 +7043,7 @@
             <p:cNvPr id="21" name="Графический объект 13">
               <a:extLst>
                 <a:ext uri="{FF2B5EF4-FFF2-40B4-BE49-F238E27FC236}">
-                  <a16:creationId xmlns:a16="http://schemas.microsoft.com/office/drawing/2014/main" id="{19319560-50ED-4963-A2CF-74663239D426}"/>
+                  <a16:creationId xmlns:a16="http://schemas.microsoft.com/office/drawing/2014/main" xmlns="" id="{19319560-50ED-4963-A2CF-74663239D426}"/>
                 </a:ext>
               </a:extLst>
             </p:cNvPr>
@@ -7247,7 +7248,7 @@
             <p:cNvPr id="23" name="Графический объект 15">
               <a:extLst>
                 <a:ext uri="{FF2B5EF4-FFF2-40B4-BE49-F238E27FC236}">
-                  <a16:creationId xmlns:a16="http://schemas.microsoft.com/office/drawing/2014/main" id="{E5ABBDAD-943D-48F3-9C80-B29C48966C79}"/>
+                  <a16:creationId xmlns:a16="http://schemas.microsoft.com/office/drawing/2014/main" xmlns="" id="{E5ABBDAD-943D-48F3-9C80-B29C48966C79}"/>
                 </a:ext>
               </a:extLst>
             </p:cNvPr>
@@ -7397,7 +7398,7 @@
           <p:cNvPr id="5" name="Рисунок 14">
             <a:extLst>
               <a:ext uri="{FF2B5EF4-FFF2-40B4-BE49-F238E27FC236}">
-                <a16:creationId xmlns:a16="http://schemas.microsoft.com/office/drawing/2014/main" id="{5DDB7824-50BA-B12F-AD49-CA8953CA3A0E}"/>
+                <a16:creationId xmlns:a16="http://schemas.microsoft.com/office/drawing/2014/main" xmlns="" id="{5DDB7824-50BA-B12F-AD49-CA8953CA3A0E}"/>
               </a:ext>
             </a:extLst>
           </p:cNvPr>
@@ -7582,7 +7583,7 @@
           <p:cNvPr id="2" name="Заголовок 1">
             <a:extLst>
               <a:ext uri="{FF2B5EF4-FFF2-40B4-BE49-F238E27FC236}">
-                <a16:creationId xmlns:a16="http://schemas.microsoft.com/office/drawing/2014/main" id="{9696CF8C-1EA0-4E47-AC60-CAC3B80A3C5D}"/>
+                <a16:creationId xmlns:a16="http://schemas.microsoft.com/office/drawing/2014/main" xmlns="" id="{9696CF8C-1EA0-4E47-AC60-CAC3B80A3C5D}"/>
               </a:ext>
             </a:extLst>
           </p:cNvPr>
@@ -7634,7 +7635,7 @@
           <p:cNvPr id="6" name="Номер слайда 5">
             <a:extLst>
               <a:ext uri="{FF2B5EF4-FFF2-40B4-BE49-F238E27FC236}">
-                <a16:creationId xmlns:a16="http://schemas.microsoft.com/office/drawing/2014/main" id="{5266FD4D-815A-431C-ADEF-DE6F236F617F}"/>
+                <a16:creationId xmlns:a16="http://schemas.microsoft.com/office/drawing/2014/main" xmlns="" id="{5266FD4D-815A-431C-ADEF-DE6F236F617F}"/>
               </a:ext>
             </a:extLst>
           </p:cNvPr>
@@ -7678,7 +7679,7 @@
           <p:cNvPr id="15" name="Рисунок 14">
             <a:extLst>
               <a:ext uri="{FF2B5EF4-FFF2-40B4-BE49-F238E27FC236}">
-                <a16:creationId xmlns:a16="http://schemas.microsoft.com/office/drawing/2014/main" id="{E62FC6D8-DD87-4B93-8491-43C84EE63FE2}"/>
+                <a16:creationId xmlns:a16="http://schemas.microsoft.com/office/drawing/2014/main" xmlns="" id="{E62FC6D8-DD87-4B93-8491-43C84EE63FE2}"/>
               </a:ext>
             </a:extLst>
           </p:cNvPr>
@@ -7829,7 +7830,7 @@
           <p:cNvPr id="3" name="Объект 2">
             <a:extLst>
               <a:ext uri="{FF2B5EF4-FFF2-40B4-BE49-F238E27FC236}">
-                <a16:creationId xmlns:a16="http://schemas.microsoft.com/office/drawing/2014/main" id="{628CABF8-19D8-4F3C-994F-4D35EC7A2C3E}"/>
+                <a16:creationId xmlns:a16="http://schemas.microsoft.com/office/drawing/2014/main" xmlns="" id="{628CABF8-19D8-4F3C-994F-4D35EC7A2C3E}"/>
               </a:ext>
             </a:extLst>
           </p:cNvPr>
@@ -7922,10 +7923,10 @@
           <p:cNvPr id="7" name="Группа 6">
             <a:extLst>
               <a:ext uri="{FF2B5EF4-FFF2-40B4-BE49-F238E27FC236}">
-                <a16:creationId xmlns:a16="http://schemas.microsoft.com/office/drawing/2014/main" id="{758B5E78-A531-681D-1312-F21B52D066B8}"/>
+                <a16:creationId xmlns:a16="http://schemas.microsoft.com/office/drawing/2014/main" xmlns="" id="{758B5E78-A531-681D-1312-F21B52D066B8}"/>
               </a:ext>
               <a:ext uri="{C183D7F6-B498-43B3-948B-1728B52AA6E4}">
-                <adec:decorative xmlns:adec="http://schemas.microsoft.com/office/drawing/2017/decorative" val="1"/>
+                <adec:decorative xmlns:adec="http://schemas.microsoft.com/office/drawing/2017/decorative" xmlns="" val="1"/>
               </a:ext>
             </a:extLst>
           </p:cNvPr>
@@ -7945,10 +7946,10 @@
             <p:cNvPr id="17" name="Графический объект 10">
               <a:extLst>
                 <a:ext uri="{FF2B5EF4-FFF2-40B4-BE49-F238E27FC236}">
-                  <a16:creationId xmlns:a16="http://schemas.microsoft.com/office/drawing/2014/main" id="{AAD06B87-D9B2-4F94-B734-A8F039A2033F}"/>
+                  <a16:creationId xmlns:a16="http://schemas.microsoft.com/office/drawing/2014/main" xmlns="" id="{AAD06B87-D9B2-4F94-B734-A8F039A2033F}"/>
                 </a:ext>
                 <a:ext uri="{C183D7F6-B498-43B3-948B-1728B52AA6E4}">
-                  <adec:decorative xmlns:adec="http://schemas.microsoft.com/office/drawing/2017/decorative" val="1"/>
+                  <adec:decorative xmlns:adec="http://schemas.microsoft.com/office/drawing/2017/decorative" xmlns="" val="1"/>
                 </a:ext>
               </a:extLst>
             </p:cNvPr>
@@ -8049,10 +8050,10 @@
             <p:cNvPr id="19" name="Графический объект 11">
               <a:extLst>
                 <a:ext uri="{FF2B5EF4-FFF2-40B4-BE49-F238E27FC236}">
-                  <a16:creationId xmlns:a16="http://schemas.microsoft.com/office/drawing/2014/main" id="{BB13A13C-36EA-4B13-9175-C5FE95B34D33}"/>
+                  <a16:creationId xmlns:a16="http://schemas.microsoft.com/office/drawing/2014/main" xmlns="" id="{BB13A13C-36EA-4B13-9175-C5FE95B34D33}"/>
                 </a:ext>
                 <a:ext uri="{C183D7F6-B498-43B3-948B-1728B52AA6E4}">
-                  <adec:decorative xmlns:adec="http://schemas.microsoft.com/office/drawing/2017/decorative" val="1"/>
+                  <adec:decorative xmlns:adec="http://schemas.microsoft.com/office/drawing/2017/decorative" xmlns="" val="1"/>
                 </a:ext>
               </a:extLst>
             </p:cNvPr>
@@ -8258,7 +8259,7 @@
           <p:cNvPr id="4" name="Нижний колонтитул 8">
             <a:extLst>
               <a:ext uri="{FF2B5EF4-FFF2-40B4-BE49-F238E27FC236}">
-                <a16:creationId xmlns:a16="http://schemas.microsoft.com/office/drawing/2014/main" id="{5189CAD3-7011-6481-11F8-05B5CB106F01}"/>
+                <a16:creationId xmlns:a16="http://schemas.microsoft.com/office/drawing/2014/main" xmlns="" id="{5189CAD3-7011-6481-11F8-05B5CB106F01}"/>
               </a:ext>
             </a:extLst>
           </p:cNvPr>
@@ -8293,10 +8294,10 @@
           <p:cNvPr id="10" name="Прямая соединительная линия 9">
             <a:extLst>
               <a:ext uri="{FF2B5EF4-FFF2-40B4-BE49-F238E27FC236}">
-                <a16:creationId xmlns:a16="http://schemas.microsoft.com/office/drawing/2014/main" id="{CB7CB27F-7A56-A747-A4D6-5627C24638D9}"/>
+                <a16:creationId xmlns:a16="http://schemas.microsoft.com/office/drawing/2014/main" xmlns="" id="{CB7CB27F-7A56-A747-A4D6-5627C24638D9}"/>
               </a:ext>
               <a:ext uri="{C183D7F6-B498-43B3-948B-1728B52AA6E4}">
-                <adec:decorative xmlns:adec="http://schemas.microsoft.com/office/drawing/2017/decorative" val="1"/>
+                <adec:decorative xmlns:adec="http://schemas.microsoft.com/office/drawing/2017/decorative" xmlns="" val="1"/>
               </a:ext>
             </a:extLst>
           </p:cNvPr>
@@ -8395,7 +8396,7 @@
           <p:cNvPr id="2" name="Заголовок 1">
             <a:extLst>
               <a:ext uri="{FF2B5EF4-FFF2-40B4-BE49-F238E27FC236}">
-                <a16:creationId xmlns:a16="http://schemas.microsoft.com/office/drawing/2014/main" id="{F6640AAD-80AF-40E7-BE3F-43D32FC68ED4}"/>
+                <a16:creationId xmlns:a16="http://schemas.microsoft.com/office/drawing/2014/main" xmlns="" id="{F6640AAD-80AF-40E7-BE3F-43D32FC68ED4}"/>
               </a:ext>
             </a:extLst>
           </p:cNvPr>
@@ -8440,7 +8441,7 @@
           <p:cNvPr id="3" name="Подзаголовок 2">
             <a:extLst>
               <a:ext uri="{FF2B5EF4-FFF2-40B4-BE49-F238E27FC236}">
-                <a16:creationId xmlns:a16="http://schemas.microsoft.com/office/drawing/2014/main" id="{EC80FBD9-0977-4B2B-9318-30774BB0947C}"/>
+                <a16:creationId xmlns:a16="http://schemas.microsoft.com/office/drawing/2014/main" xmlns="" id="{EC80FBD9-0977-4B2B-9318-30774BB0947C}"/>
               </a:ext>
             </a:extLst>
           </p:cNvPr>
@@ -8517,10 +8518,10 @@
           <p:cNvPr id="4" name="Группа 3">
             <a:extLst>
               <a:ext uri="{FF2B5EF4-FFF2-40B4-BE49-F238E27FC236}">
-                <a16:creationId xmlns:a16="http://schemas.microsoft.com/office/drawing/2014/main" id="{22749162-63A5-5BF9-895E-B0577A6C47E0}"/>
+                <a16:creationId xmlns:a16="http://schemas.microsoft.com/office/drawing/2014/main" xmlns="" id="{22749162-63A5-5BF9-895E-B0577A6C47E0}"/>
               </a:ext>
               <a:ext uri="{C183D7F6-B498-43B3-948B-1728B52AA6E4}">
-                <adec:decorative xmlns:adec="http://schemas.microsoft.com/office/drawing/2017/decorative" val="1"/>
+                <adec:decorative xmlns:adec="http://schemas.microsoft.com/office/drawing/2017/decorative" xmlns="" val="1"/>
               </a:ext>
             </a:extLst>
           </p:cNvPr>
@@ -8540,7 +8541,7 @@
             <p:cNvPr id="19" name="Графический объект 12">
               <a:extLst>
                 <a:ext uri="{FF2B5EF4-FFF2-40B4-BE49-F238E27FC236}">
-                  <a16:creationId xmlns:a16="http://schemas.microsoft.com/office/drawing/2014/main" id="{818B4386-1FCF-4ACE-BE25-AF9CC5E2256F}"/>
+                  <a16:creationId xmlns:a16="http://schemas.microsoft.com/office/drawing/2014/main" xmlns="" id="{818B4386-1FCF-4ACE-BE25-AF9CC5E2256F}"/>
                 </a:ext>
               </a:extLst>
             </p:cNvPr>
@@ -8641,7 +8642,7 @@
             <p:cNvPr id="21" name="Графический объект 13">
               <a:extLst>
                 <a:ext uri="{FF2B5EF4-FFF2-40B4-BE49-F238E27FC236}">
-                  <a16:creationId xmlns:a16="http://schemas.microsoft.com/office/drawing/2014/main" id="{19319560-50ED-4963-A2CF-74663239D426}"/>
+                  <a16:creationId xmlns:a16="http://schemas.microsoft.com/office/drawing/2014/main" xmlns="" id="{19319560-50ED-4963-A2CF-74663239D426}"/>
                 </a:ext>
               </a:extLst>
             </p:cNvPr>
@@ -8846,7 +8847,7 @@
             <p:cNvPr id="23" name="Графический объект 15">
               <a:extLst>
                 <a:ext uri="{FF2B5EF4-FFF2-40B4-BE49-F238E27FC236}">
-                  <a16:creationId xmlns:a16="http://schemas.microsoft.com/office/drawing/2014/main" id="{E5ABBDAD-943D-48F3-9C80-B29C48966C79}"/>
+                  <a16:creationId xmlns:a16="http://schemas.microsoft.com/office/drawing/2014/main" xmlns="" id="{E5ABBDAD-943D-48F3-9C80-B29C48966C79}"/>
                 </a:ext>
               </a:extLst>
             </p:cNvPr>
@@ -8996,10 +8997,10 @@
           <p:cNvPr id="5" name="Прямая соединительная линия 4">
             <a:extLst>
               <a:ext uri="{FF2B5EF4-FFF2-40B4-BE49-F238E27FC236}">
-                <a16:creationId xmlns:a16="http://schemas.microsoft.com/office/drawing/2014/main" id="{57912362-D30D-7B0B-BA94-0993B1EBC4E4}"/>
+                <a16:creationId xmlns:a16="http://schemas.microsoft.com/office/drawing/2014/main" xmlns="" id="{57912362-D30D-7B0B-BA94-0993B1EBC4E4}"/>
               </a:ext>
               <a:ext uri="{C183D7F6-B498-43B3-948B-1728B52AA6E4}">
-                <adec:decorative xmlns:adec="http://schemas.microsoft.com/office/drawing/2017/decorative" val="1"/>
+                <adec:decorative xmlns:adec="http://schemas.microsoft.com/office/drawing/2017/decorative" xmlns="" val="1"/>
               </a:ext>
             </a:extLst>
           </p:cNvPr>
@@ -9073,7 +9074,7 @@
           <p:cNvPr id="2" name="Заголовок 1">
             <a:extLst>
               <a:ext uri="{FF2B5EF4-FFF2-40B4-BE49-F238E27FC236}">
-                <a16:creationId xmlns:a16="http://schemas.microsoft.com/office/drawing/2014/main" id="{B5F057AE-3B3B-4261-B912-BF9EB9A58C36}"/>
+                <a16:creationId xmlns:a16="http://schemas.microsoft.com/office/drawing/2014/main" xmlns="" id="{B5F057AE-3B3B-4261-B912-BF9EB9A58C36}"/>
               </a:ext>
             </a:extLst>
           </p:cNvPr>
@@ -9111,7 +9112,7 @@
           <p:cNvPr id="15" name="Номер слайда 14">
             <a:extLst>
               <a:ext uri="{FF2B5EF4-FFF2-40B4-BE49-F238E27FC236}">
-                <a16:creationId xmlns:a16="http://schemas.microsoft.com/office/drawing/2014/main" id="{0F91A5DB-A2CA-1D70-9A06-3869A288C924}"/>
+                <a16:creationId xmlns:a16="http://schemas.microsoft.com/office/drawing/2014/main" xmlns="" id="{0F91A5DB-A2CA-1D70-9A06-3869A288C924}"/>
               </a:ext>
             </a:extLst>
           </p:cNvPr>
@@ -9146,7 +9147,7 @@
           <p:cNvPr id="4" name="Объект 3">
             <a:extLst>
               <a:ext uri="{FF2B5EF4-FFF2-40B4-BE49-F238E27FC236}">
-                <a16:creationId xmlns:a16="http://schemas.microsoft.com/office/drawing/2014/main" id="{8DE39CA1-2B6D-427E-9688-9093D5865CB7}"/>
+                <a16:creationId xmlns:a16="http://schemas.microsoft.com/office/drawing/2014/main" xmlns="" id="{8DE39CA1-2B6D-427E-9688-9093D5865CB7}"/>
               </a:ext>
             </a:extLst>
           </p:cNvPr>
@@ -9242,7 +9243,7 @@
           <p:cNvPr id="6" name="Объект 5">
             <a:extLst>
               <a:ext uri="{FF2B5EF4-FFF2-40B4-BE49-F238E27FC236}">
-                <a16:creationId xmlns:a16="http://schemas.microsoft.com/office/drawing/2014/main" id="{BD7EA593-3036-4FB5-94B4-D9431DF04871}"/>
+                <a16:creationId xmlns:a16="http://schemas.microsoft.com/office/drawing/2014/main" xmlns="" id="{BD7EA593-3036-4FB5-94B4-D9431DF04871}"/>
               </a:ext>
             </a:extLst>
           </p:cNvPr>
@@ -9338,10 +9339,10 @@
           <p:cNvPr id="10" name="Прямая соединительная линия 9">
             <a:extLst>
               <a:ext uri="{FF2B5EF4-FFF2-40B4-BE49-F238E27FC236}">
-                <a16:creationId xmlns:a16="http://schemas.microsoft.com/office/drawing/2014/main" id="{160F34ED-DA60-4CC2-B735-B0EC5D9FEA35}"/>
+                <a16:creationId xmlns:a16="http://schemas.microsoft.com/office/drawing/2014/main" xmlns="" id="{160F34ED-DA60-4CC2-B735-B0EC5D9FEA35}"/>
               </a:ext>
               <a:ext uri="{C183D7F6-B498-43B3-948B-1728B52AA6E4}">
-                <adec:decorative xmlns:adec="http://schemas.microsoft.com/office/drawing/2017/decorative" val="1"/>
+                <adec:decorative xmlns:adec="http://schemas.microsoft.com/office/drawing/2017/decorative" xmlns="" val="1"/>
               </a:ext>
             </a:extLst>
           </p:cNvPr>
@@ -9394,10 +9395,10 @@
           <p:cNvPr id="12" name="Графический объект 15">
             <a:extLst>
               <a:ext uri="{FF2B5EF4-FFF2-40B4-BE49-F238E27FC236}">
-                <a16:creationId xmlns:a16="http://schemas.microsoft.com/office/drawing/2014/main" id="{A9475260-301F-4744-B1DA-7B00F6FB4342}"/>
+                <a16:creationId xmlns:a16="http://schemas.microsoft.com/office/drawing/2014/main" xmlns="" id="{A9475260-301F-4744-B1DA-7B00F6FB4342}"/>
               </a:ext>
               <a:ext uri="{C183D7F6-B498-43B3-948B-1728B52AA6E4}">
-                <adec:decorative xmlns:adec="http://schemas.microsoft.com/office/drawing/2017/decorative" val="1"/>
+                <adec:decorative xmlns:adec="http://schemas.microsoft.com/office/drawing/2017/decorative" xmlns="" val="1"/>
               </a:ext>
             </a:extLst>
           </p:cNvPr>
@@ -9602,10 +9603,10 @@
           <p:cNvPr id="14" name="Графический объект 16">
             <a:extLst>
               <a:ext uri="{FF2B5EF4-FFF2-40B4-BE49-F238E27FC236}">
-                <a16:creationId xmlns:a16="http://schemas.microsoft.com/office/drawing/2014/main" id="{9BBD3F4B-0836-48C5-AC68-747456D1DD50}"/>
+                <a16:creationId xmlns:a16="http://schemas.microsoft.com/office/drawing/2014/main" xmlns="" id="{9BBD3F4B-0836-48C5-AC68-747456D1DD50}"/>
               </a:ext>
               <a:ext uri="{C183D7F6-B498-43B3-948B-1728B52AA6E4}">
-                <adec:decorative xmlns:adec="http://schemas.microsoft.com/office/drawing/2017/decorative" val="1"/>
+                <adec:decorative xmlns:adec="http://schemas.microsoft.com/office/drawing/2017/decorative" xmlns="" val="1"/>
               </a:ext>
             </a:extLst>
           </p:cNvPr>
@@ -9754,10 +9755,10 @@
           <p:cNvPr id="16" name="Графический объект 14">
             <a:extLst>
               <a:ext uri="{FF2B5EF4-FFF2-40B4-BE49-F238E27FC236}">
-                <a16:creationId xmlns:a16="http://schemas.microsoft.com/office/drawing/2014/main" id="{9B4398D5-99F4-4F83-AA77-9B4177648CAF}"/>
+                <a16:creationId xmlns:a16="http://schemas.microsoft.com/office/drawing/2014/main" xmlns="" id="{9B4398D5-99F4-4F83-AA77-9B4177648CAF}"/>
               </a:ext>
               <a:ext uri="{C183D7F6-B498-43B3-948B-1728B52AA6E4}">
-                <adec:decorative xmlns:adec="http://schemas.microsoft.com/office/drawing/2017/decorative" val="1"/>
+                <adec:decorative xmlns:adec="http://schemas.microsoft.com/office/drawing/2017/decorative" xmlns="" val="1"/>
               </a:ext>
             </a:extLst>
           </p:cNvPr>
@@ -9858,7 +9859,7 @@
           <p:cNvPr id="13" name="Нижний колонтитул 12">
             <a:extLst>
               <a:ext uri="{FF2B5EF4-FFF2-40B4-BE49-F238E27FC236}">
-                <a16:creationId xmlns:a16="http://schemas.microsoft.com/office/drawing/2014/main" id="{6D6A69CF-70D6-AB12-CD8B-FD75B7EE1420}"/>
+                <a16:creationId xmlns:a16="http://schemas.microsoft.com/office/drawing/2014/main" xmlns="" id="{6D6A69CF-70D6-AB12-CD8B-FD75B7EE1420}"/>
               </a:ext>
             </a:extLst>
           </p:cNvPr>
@@ -9923,10 +9924,10 @@
           <p:cNvPr id="8" name="Прямоугольник 7">
             <a:extLst>
               <a:ext uri="{FF2B5EF4-FFF2-40B4-BE49-F238E27FC236}">
-                <a16:creationId xmlns:a16="http://schemas.microsoft.com/office/drawing/2014/main" id="{F9EFE408-BFE1-16DC-F7C6-47F55C171AC6}"/>
+                <a16:creationId xmlns:a16="http://schemas.microsoft.com/office/drawing/2014/main" xmlns="" id="{F9EFE408-BFE1-16DC-F7C6-47F55C171AC6}"/>
               </a:ext>
               <a:ext uri="{C183D7F6-B498-43B3-948B-1728B52AA6E4}">
-                <adec:decorative xmlns:adec="http://schemas.microsoft.com/office/drawing/2017/decorative" val="1"/>
+                <adec:decorative xmlns:adec="http://schemas.microsoft.com/office/drawing/2017/decorative" xmlns="" val="1"/>
               </a:ext>
             </a:extLst>
           </p:cNvPr>
@@ -9991,7 +9992,7 @@
           <p:cNvPr id="2" name="Заголовок 1">
             <a:extLst>
               <a:ext uri="{FF2B5EF4-FFF2-40B4-BE49-F238E27FC236}">
-                <a16:creationId xmlns:a16="http://schemas.microsoft.com/office/drawing/2014/main" id="{B5F057AE-3B3B-4261-B912-BF9EB9A58C36}"/>
+                <a16:creationId xmlns:a16="http://schemas.microsoft.com/office/drawing/2014/main" xmlns="" id="{B5F057AE-3B3B-4261-B912-BF9EB9A58C36}"/>
               </a:ext>
             </a:extLst>
           </p:cNvPr>
@@ -10034,7 +10035,7 @@
           <p:cNvPr id="22" name="Номер слайда 21">
             <a:extLst>
               <a:ext uri="{FF2B5EF4-FFF2-40B4-BE49-F238E27FC236}">
-                <a16:creationId xmlns:a16="http://schemas.microsoft.com/office/drawing/2014/main" id="{4C0ED5DD-6381-0FFD-7B45-D21179A390B5}"/>
+                <a16:creationId xmlns:a16="http://schemas.microsoft.com/office/drawing/2014/main" xmlns="" id="{4C0ED5DD-6381-0FFD-7B45-D21179A390B5}"/>
               </a:ext>
             </a:extLst>
           </p:cNvPr>
@@ -10069,7 +10070,7 @@
           <p:cNvPr id="4" name="Объект 5">
             <a:extLst>
               <a:ext uri="{FF2B5EF4-FFF2-40B4-BE49-F238E27FC236}">
-                <a16:creationId xmlns:a16="http://schemas.microsoft.com/office/drawing/2014/main" id="{F042E432-AE48-385B-DEA1-32129394CE76}"/>
+                <a16:creationId xmlns:a16="http://schemas.microsoft.com/office/drawing/2014/main" xmlns="" id="{F042E432-AE48-385B-DEA1-32129394CE76}"/>
               </a:ext>
             </a:extLst>
           </p:cNvPr>
@@ -10174,7 +10175,7 @@
           <p:cNvPr id="7" name="Объект 5">
             <a:extLst>
               <a:ext uri="{FF2B5EF4-FFF2-40B4-BE49-F238E27FC236}">
-                <a16:creationId xmlns:a16="http://schemas.microsoft.com/office/drawing/2014/main" id="{DF111B2E-0535-57E2-FE92-620F9307A956}"/>
+                <a16:creationId xmlns:a16="http://schemas.microsoft.com/office/drawing/2014/main" xmlns="" id="{DF111B2E-0535-57E2-FE92-620F9307A956}"/>
               </a:ext>
             </a:extLst>
           </p:cNvPr>
@@ -10246,7 +10247,7 @@
           <p:cNvPr id="6" name="Объект 5">
             <a:extLst>
               <a:ext uri="{FF2B5EF4-FFF2-40B4-BE49-F238E27FC236}">
-                <a16:creationId xmlns:a16="http://schemas.microsoft.com/office/drawing/2014/main" id="{BD7EA593-3036-4FB5-94B4-D9431DF04871}"/>
+                <a16:creationId xmlns:a16="http://schemas.microsoft.com/office/drawing/2014/main" xmlns="" id="{BD7EA593-3036-4FB5-94B4-D9431DF04871}"/>
               </a:ext>
             </a:extLst>
           </p:cNvPr>
@@ -10341,7 +10342,7 @@
           <p:cNvPr id="21" name="Нижний колонтитул 20">
             <a:extLst>
               <a:ext uri="{FF2B5EF4-FFF2-40B4-BE49-F238E27FC236}">
-                <a16:creationId xmlns:a16="http://schemas.microsoft.com/office/drawing/2014/main" id="{34C23E1A-9E5E-DA12-8E11-83F486766E16}"/>
+                <a16:creationId xmlns:a16="http://schemas.microsoft.com/office/drawing/2014/main" xmlns="" id="{34C23E1A-9E5E-DA12-8E11-83F486766E16}"/>
               </a:ext>
             </a:extLst>
           </p:cNvPr>
@@ -10376,10 +10377,10 @@
           <p:cNvPr id="23" name="Прямая соединительная линия 22">
             <a:extLst>
               <a:ext uri="{FF2B5EF4-FFF2-40B4-BE49-F238E27FC236}">
-                <a16:creationId xmlns:a16="http://schemas.microsoft.com/office/drawing/2014/main" id="{E3FE6E42-6A8F-C459-87EE-E2A5BAFA852B}"/>
+                <a16:creationId xmlns:a16="http://schemas.microsoft.com/office/drawing/2014/main" xmlns="" id="{E3FE6E42-6A8F-C459-87EE-E2A5BAFA852B}"/>
               </a:ext>
               <a:ext uri="{C183D7F6-B498-43B3-948B-1728B52AA6E4}">
-                <adec:decorative xmlns:adec="http://schemas.microsoft.com/office/drawing/2017/decorative" val="1"/>
+                <adec:decorative xmlns:adec="http://schemas.microsoft.com/office/drawing/2017/decorative" xmlns="" val="1"/>
               </a:ext>
             </a:extLst>
           </p:cNvPr>
@@ -10432,10 +10433,10 @@
           <p:cNvPr id="10" name="Группа 9">
             <a:extLst>
               <a:ext uri="{FF2B5EF4-FFF2-40B4-BE49-F238E27FC236}">
-                <a16:creationId xmlns:a16="http://schemas.microsoft.com/office/drawing/2014/main" id="{177EAAAE-7FBB-496C-94DC-4084B526B4F8}"/>
+                <a16:creationId xmlns:a16="http://schemas.microsoft.com/office/drawing/2014/main" xmlns="" id="{177EAAAE-7FBB-496C-94DC-4084B526B4F8}"/>
               </a:ext>
               <a:ext uri="{C183D7F6-B498-43B3-948B-1728B52AA6E4}">
-                <adec:decorative xmlns:adec="http://schemas.microsoft.com/office/drawing/2017/decorative" val="1"/>
+                <adec:decorative xmlns:adec="http://schemas.microsoft.com/office/drawing/2017/decorative" xmlns="" val="1"/>
               </a:ext>
             </a:extLst>
           </p:cNvPr>
@@ -10455,7 +10456,7 @@
             <p:cNvPr id="11" name="Графический объект 12">
               <a:extLst>
                 <a:ext uri="{FF2B5EF4-FFF2-40B4-BE49-F238E27FC236}">
-                  <a16:creationId xmlns:a16="http://schemas.microsoft.com/office/drawing/2014/main" id="{B26C79DC-40B1-402A-BF7D-10068DA20C7A}"/>
+                  <a16:creationId xmlns:a16="http://schemas.microsoft.com/office/drawing/2014/main" xmlns="" id="{B26C79DC-40B1-402A-BF7D-10068DA20C7A}"/>
                 </a:ext>
               </a:extLst>
             </p:cNvPr>
@@ -10556,7 +10557,7 @@
             <p:cNvPr id="12" name="Графический объект 13">
               <a:extLst>
                 <a:ext uri="{FF2B5EF4-FFF2-40B4-BE49-F238E27FC236}">
-                  <a16:creationId xmlns:a16="http://schemas.microsoft.com/office/drawing/2014/main" id="{1B84BA44-1B69-426C-8F35-6994514B719F}"/>
+                  <a16:creationId xmlns:a16="http://schemas.microsoft.com/office/drawing/2014/main" xmlns="" id="{1B84BA44-1B69-426C-8F35-6994514B719F}"/>
                 </a:ext>
               </a:extLst>
             </p:cNvPr>
@@ -10761,7 +10762,7 @@
             <p:cNvPr id="13" name="Графический объект 15">
               <a:extLst>
                 <a:ext uri="{FF2B5EF4-FFF2-40B4-BE49-F238E27FC236}">
-                  <a16:creationId xmlns:a16="http://schemas.microsoft.com/office/drawing/2014/main" id="{D23D77F4-122A-4828-8C12-BC96DF1EAC83}"/>
+                  <a16:creationId xmlns:a16="http://schemas.microsoft.com/office/drawing/2014/main" xmlns="" id="{D23D77F4-122A-4828-8C12-BC96DF1EAC83}"/>
                 </a:ext>
               </a:extLst>
             </p:cNvPr>
@@ -10941,7 +10942,7 @@
           <p:cNvPr id="2" name="Заголовок 1">
             <a:extLst>
               <a:ext uri="{FF2B5EF4-FFF2-40B4-BE49-F238E27FC236}">
-                <a16:creationId xmlns:a16="http://schemas.microsoft.com/office/drawing/2014/main" id="{F6640AAD-80AF-40E7-BE3F-43D32FC68ED4}"/>
+                <a16:creationId xmlns:a16="http://schemas.microsoft.com/office/drawing/2014/main" xmlns="" id="{F6640AAD-80AF-40E7-BE3F-43D32FC68ED4}"/>
               </a:ext>
             </a:extLst>
           </p:cNvPr>
@@ -10997,7 +10998,7 @@
           <p:cNvPr id="6" name="Номер слайда 5">
             <a:extLst>
               <a:ext uri="{FF2B5EF4-FFF2-40B4-BE49-F238E27FC236}">
-                <a16:creationId xmlns:a16="http://schemas.microsoft.com/office/drawing/2014/main" id="{A401EAA4-F44C-4C1F-B8E3-1A3005300F50}"/>
+                <a16:creationId xmlns:a16="http://schemas.microsoft.com/office/drawing/2014/main" xmlns="" id="{A401EAA4-F44C-4C1F-B8E3-1A3005300F50}"/>
               </a:ext>
             </a:extLst>
           </p:cNvPr>
@@ -11041,7 +11042,7 @@
           <p:cNvPr id="8" name="Текст 4">
             <a:extLst>
               <a:ext uri="{FF2B5EF4-FFF2-40B4-BE49-F238E27FC236}">
-                <a16:creationId xmlns:a16="http://schemas.microsoft.com/office/drawing/2014/main" id="{9FB40175-FA51-DA14-A5B2-CD06DE6ECC31}"/>
+                <a16:creationId xmlns:a16="http://schemas.microsoft.com/office/drawing/2014/main" xmlns="" id="{9FB40175-FA51-DA14-A5B2-CD06DE6ECC31}"/>
               </a:ext>
             </a:extLst>
           </p:cNvPr>
@@ -11138,10 +11139,10 @@
           <p:cNvPr id="9" name="Прямоугольник 8">
             <a:extLst>
               <a:ext uri="{FF2B5EF4-FFF2-40B4-BE49-F238E27FC236}">
-                <a16:creationId xmlns:a16="http://schemas.microsoft.com/office/drawing/2014/main" id="{515930B2-E36D-4D05-A6B3-CA1BF61D50CC}"/>
+                <a16:creationId xmlns:a16="http://schemas.microsoft.com/office/drawing/2014/main" xmlns="" id="{515930B2-E36D-4D05-A6B3-CA1BF61D50CC}"/>
               </a:ext>
               <a:ext uri="{C183D7F6-B498-43B3-948B-1728B52AA6E4}">
-                <adec:decorative xmlns:adec="http://schemas.microsoft.com/office/drawing/2017/decorative" val="1"/>
+                <adec:decorative xmlns:adec="http://schemas.microsoft.com/office/drawing/2017/decorative" xmlns="" val="1"/>
               </a:ext>
             </a:extLst>
           </p:cNvPr>
@@ -11206,7 +11207,7 @@
           <p:cNvPr id="13" name="Рисунок 12">
             <a:extLst>
               <a:ext uri="{FF2B5EF4-FFF2-40B4-BE49-F238E27FC236}">
-                <a16:creationId xmlns:a16="http://schemas.microsoft.com/office/drawing/2014/main" id="{9CEC7E0F-60E8-418B-978D-C607C82E97F7}"/>
+                <a16:creationId xmlns:a16="http://schemas.microsoft.com/office/drawing/2014/main" xmlns="" id="{9CEC7E0F-60E8-418B-978D-C607C82E97F7}"/>
               </a:ext>
             </a:extLst>
           </p:cNvPr>
@@ -11249,7 +11250,7 @@
           <p:cNvPr id="10" name="Нижний колонтитул 8">
             <a:extLst>
               <a:ext uri="{FF2B5EF4-FFF2-40B4-BE49-F238E27FC236}">
-                <a16:creationId xmlns:a16="http://schemas.microsoft.com/office/drawing/2014/main" id="{7A4AE671-C203-0370-2888-FC8F7D444D11}"/>
+                <a16:creationId xmlns:a16="http://schemas.microsoft.com/office/drawing/2014/main" xmlns="" id="{7A4AE671-C203-0370-2888-FC8F7D444D11}"/>
               </a:ext>
             </a:extLst>
           </p:cNvPr>
@@ -11284,10 +11285,10 @@
           <p:cNvPr id="3" name="Прямая соединительная линия 2">
             <a:extLst>
               <a:ext uri="{FF2B5EF4-FFF2-40B4-BE49-F238E27FC236}">
-                <a16:creationId xmlns:a16="http://schemas.microsoft.com/office/drawing/2014/main" id="{1792BFA8-57AD-0B5C-2534-1E862B58DAB3}"/>
+                <a16:creationId xmlns:a16="http://schemas.microsoft.com/office/drawing/2014/main" xmlns="" id="{1792BFA8-57AD-0B5C-2534-1E862B58DAB3}"/>
               </a:ext>
               <a:ext uri="{C183D7F6-B498-43B3-948B-1728B52AA6E4}">
-                <adec:decorative xmlns:adec="http://schemas.microsoft.com/office/drawing/2017/decorative" val="1"/>
+                <adec:decorative xmlns:adec="http://schemas.microsoft.com/office/drawing/2017/decorative" xmlns="" val="1"/>
               </a:ext>
             </a:extLst>
           </p:cNvPr>
@@ -11375,7 +11376,7 @@
           <p:cNvPr id="2" name="Заголовок 1">
             <a:extLst>
               <a:ext uri="{FF2B5EF4-FFF2-40B4-BE49-F238E27FC236}">
-                <a16:creationId xmlns:a16="http://schemas.microsoft.com/office/drawing/2014/main" id="{0FDA4224-F4E4-47A4-ACF7-2317493908AE}"/>
+                <a16:creationId xmlns:a16="http://schemas.microsoft.com/office/drawing/2014/main" xmlns="" id="{0FDA4224-F4E4-47A4-ACF7-2317493908AE}"/>
               </a:ext>
             </a:extLst>
           </p:cNvPr>
@@ -11418,7 +11419,7 @@
           <p:cNvPr id="3" name="Текст 2">
             <a:extLst>
               <a:ext uri="{FF2B5EF4-FFF2-40B4-BE49-F238E27FC236}">
-                <a16:creationId xmlns:a16="http://schemas.microsoft.com/office/drawing/2014/main" id="{31679907-DC49-4B86-A34C-C97DBC26A938}"/>
+                <a16:creationId xmlns:a16="http://schemas.microsoft.com/office/drawing/2014/main" xmlns="" id="{31679907-DC49-4B86-A34C-C97DBC26A938}"/>
               </a:ext>
             </a:extLst>
           </p:cNvPr>
@@ -11489,7 +11490,7 @@
           <p:cNvPr id="6" name="Номер слайда 5">
             <a:extLst>
               <a:ext uri="{FF2B5EF4-FFF2-40B4-BE49-F238E27FC236}">
-                <a16:creationId xmlns:a16="http://schemas.microsoft.com/office/drawing/2014/main" id="{F6C0E9BD-90BD-46AE-8A0D-06796ADB760A}"/>
+                <a16:creationId xmlns:a16="http://schemas.microsoft.com/office/drawing/2014/main" xmlns="" id="{F6C0E9BD-90BD-46AE-8A0D-06796ADB760A}"/>
               </a:ext>
             </a:extLst>
           </p:cNvPr>
@@ -11536,7 +11537,7 @@
           <p:cNvPr id="4" name="Дата 3">
             <a:extLst>
               <a:ext uri="{FF2B5EF4-FFF2-40B4-BE49-F238E27FC236}">
-                <a16:creationId xmlns:a16="http://schemas.microsoft.com/office/drawing/2014/main" id="{B1EF1C86-6A9C-D287-D381-5634A69BF1C8}"/>
+                <a16:creationId xmlns:a16="http://schemas.microsoft.com/office/drawing/2014/main" xmlns="" id="{B1EF1C86-6A9C-D287-D381-5634A69BF1C8}"/>
               </a:ext>
             </a:extLst>
           </p:cNvPr>
@@ -11583,7 +11584,7 @@
           <p:cNvPr id="5" name="Нижний колонтитул 4">
             <a:extLst>
               <a:ext uri="{FF2B5EF4-FFF2-40B4-BE49-F238E27FC236}">
-                <a16:creationId xmlns:a16="http://schemas.microsoft.com/office/drawing/2014/main" id="{621B8477-3F24-EDCB-C8AC-84336363918B}"/>
+                <a16:creationId xmlns:a16="http://schemas.microsoft.com/office/drawing/2014/main" xmlns="" id="{621B8477-3F24-EDCB-C8AC-84336363918B}"/>
               </a:ext>
             </a:extLst>
           </p:cNvPr>
@@ -11953,7 +11954,7 @@
           <p:cNvPr id="2" name="Заголовок 1">
             <a:extLst>
               <a:ext uri="{FF2B5EF4-FFF2-40B4-BE49-F238E27FC236}">
-                <a16:creationId xmlns:a16="http://schemas.microsoft.com/office/drawing/2014/main" id="{1777497A-8681-5C67-50DE-EDC13C007581}"/>
+                <a16:creationId xmlns:a16="http://schemas.microsoft.com/office/drawing/2014/main" xmlns="" id="{1777497A-8681-5C67-50DE-EDC13C007581}"/>
               </a:ext>
             </a:extLst>
           </p:cNvPr>
@@ -11987,7 +11988,7 @@
           <p:cNvPr id="4" name="Подзаголовок 3">
             <a:extLst>
               <a:ext uri="{FF2B5EF4-FFF2-40B4-BE49-F238E27FC236}">
-                <a16:creationId xmlns:a16="http://schemas.microsoft.com/office/drawing/2014/main" id="{2900F31E-6448-49C2-742C-1D141821EAFF}"/>
+                <a16:creationId xmlns:a16="http://schemas.microsoft.com/office/drawing/2014/main" xmlns="" id="{2900F31E-6448-49C2-742C-1D141821EAFF}"/>
               </a:ext>
             </a:extLst>
           </p:cNvPr>
@@ -12050,7 +12051,7 @@
           <p:cNvPr id="2" name="Заголовок 1">
             <a:extLst>
               <a:ext uri="{FF2B5EF4-FFF2-40B4-BE49-F238E27FC236}">
-                <a16:creationId xmlns:a16="http://schemas.microsoft.com/office/drawing/2014/main" id="{645F96D4-E0D8-6F75-A525-7424FE3008C4}"/>
+                <a16:creationId xmlns:a16="http://schemas.microsoft.com/office/drawing/2014/main" xmlns="" id="{645F96D4-E0D8-6F75-A525-7424FE3008C4}"/>
               </a:ext>
             </a:extLst>
           </p:cNvPr>
@@ -12083,7 +12084,7 @@
           <p:cNvPr id="6" name="Таблица 5">
             <a:extLst>
               <a:ext uri="{FF2B5EF4-FFF2-40B4-BE49-F238E27FC236}">
-                <a16:creationId xmlns:a16="http://schemas.microsoft.com/office/drawing/2014/main" id="{5C54F45A-7743-642D-4815-70CA4205A551}"/>
+                <a16:creationId xmlns:a16="http://schemas.microsoft.com/office/drawing/2014/main" xmlns="" id="{5C54F45A-7743-642D-4815-70CA4205A551}"/>
               </a:ext>
             </a:extLst>
           </p:cNvPr>
@@ -12112,21 +12113,21 @@
                 <a:gridCol w="484480">
                   <a:extLst>
                     <a:ext uri="{9D8B030D-6E8A-4147-A177-3AD203B41FA5}">
-                      <a16:colId xmlns:a16="http://schemas.microsoft.com/office/drawing/2014/main" val="2640965137"/>
+                      <a16:colId xmlns:a16="http://schemas.microsoft.com/office/drawing/2014/main" xmlns="" val="2640965137"/>
                     </a:ext>
                   </a:extLst>
                 </a:gridCol>
                 <a:gridCol w="3710115">
                   <a:extLst>
                     <a:ext uri="{9D8B030D-6E8A-4147-A177-3AD203B41FA5}">
-                      <a16:colId xmlns:a16="http://schemas.microsoft.com/office/drawing/2014/main" val="1526030099"/>
+                      <a16:colId xmlns:a16="http://schemas.microsoft.com/office/drawing/2014/main" xmlns="" val="1526030099"/>
                     </a:ext>
                   </a:extLst>
                 </a:gridCol>
                 <a:gridCol w="3710115">
                   <a:extLst>
                     <a:ext uri="{9D8B030D-6E8A-4147-A177-3AD203B41FA5}">
-                      <a16:colId xmlns:a16="http://schemas.microsoft.com/office/drawing/2014/main" val="2355659534"/>
+                      <a16:colId xmlns:a16="http://schemas.microsoft.com/office/drawing/2014/main" xmlns="" val="2355659534"/>
                     </a:ext>
                   </a:extLst>
                 </a:gridCol>
@@ -12365,7 +12366,7 @@
                 </a:tc>
                 <a:extLst>
                   <a:ext uri="{0D108BD9-81ED-4DB2-BD59-A6C34878D82A}">
-                    <a16:rowId xmlns:a16="http://schemas.microsoft.com/office/drawing/2014/main" val="2085348972"/>
+                    <a16:rowId xmlns:a16="http://schemas.microsoft.com/office/drawing/2014/main" xmlns="" val="2085348972"/>
                   </a:ext>
                 </a:extLst>
               </a:tr>
@@ -12601,7 +12602,7 @@
                 </a:tc>
                 <a:extLst>
                   <a:ext uri="{0D108BD9-81ED-4DB2-BD59-A6C34878D82A}">
-                    <a16:rowId xmlns:a16="http://schemas.microsoft.com/office/drawing/2014/main" val="3861912752"/>
+                    <a16:rowId xmlns:a16="http://schemas.microsoft.com/office/drawing/2014/main" xmlns="" val="3861912752"/>
                   </a:ext>
                 </a:extLst>
               </a:tr>
@@ -12837,7 +12838,7 @@
                 </a:tc>
                 <a:extLst>
                   <a:ext uri="{0D108BD9-81ED-4DB2-BD59-A6C34878D82A}">
-                    <a16:rowId xmlns:a16="http://schemas.microsoft.com/office/drawing/2014/main" val="1633664425"/>
+                    <a16:rowId xmlns:a16="http://schemas.microsoft.com/office/drawing/2014/main" xmlns="" val="1633664425"/>
                   </a:ext>
                 </a:extLst>
               </a:tr>
@@ -13053,7 +13054,7 @@
                 </a:tc>
                 <a:extLst>
                   <a:ext uri="{0D108BD9-81ED-4DB2-BD59-A6C34878D82A}">
-                    <a16:rowId xmlns:a16="http://schemas.microsoft.com/office/drawing/2014/main" val="1866277393"/>
+                    <a16:rowId xmlns:a16="http://schemas.microsoft.com/office/drawing/2014/main" xmlns="" val="1866277393"/>
                   </a:ext>
                 </a:extLst>
               </a:tr>
@@ -13269,7 +13270,7 @@
                 </a:tc>
                 <a:extLst>
                   <a:ext uri="{0D108BD9-81ED-4DB2-BD59-A6C34878D82A}">
-                    <a16:rowId xmlns:a16="http://schemas.microsoft.com/office/drawing/2014/main" val="2018677966"/>
+                    <a16:rowId xmlns:a16="http://schemas.microsoft.com/office/drawing/2014/main" xmlns="" val="2018677966"/>
                   </a:ext>
                 </a:extLst>
               </a:tr>
@@ -13485,7 +13486,7 @@
                 </a:tc>
                 <a:extLst>
                   <a:ext uri="{0D108BD9-81ED-4DB2-BD59-A6C34878D82A}">
-                    <a16:rowId xmlns:a16="http://schemas.microsoft.com/office/drawing/2014/main" val="4125590788"/>
+                    <a16:rowId xmlns:a16="http://schemas.microsoft.com/office/drawing/2014/main" xmlns="" val="4125590788"/>
                   </a:ext>
                 </a:extLst>
               </a:tr>
@@ -13701,7 +13702,7 @@
                 </a:tc>
                 <a:extLst>
                   <a:ext uri="{0D108BD9-81ED-4DB2-BD59-A6C34878D82A}">
-                    <a16:rowId xmlns:a16="http://schemas.microsoft.com/office/drawing/2014/main" val="2702966577"/>
+                    <a16:rowId xmlns:a16="http://schemas.microsoft.com/office/drawing/2014/main" xmlns="" val="2702966577"/>
                   </a:ext>
                 </a:extLst>
               </a:tr>
@@ -13744,7 +13745,7 @@
           <p:cNvPr id="2" name="Заголовок 1">
             <a:extLst>
               <a:ext uri="{FF2B5EF4-FFF2-40B4-BE49-F238E27FC236}">
-                <a16:creationId xmlns:a16="http://schemas.microsoft.com/office/drawing/2014/main" id="{32E349D7-317F-155B-E799-6DF31F799336}"/>
+                <a16:creationId xmlns:a16="http://schemas.microsoft.com/office/drawing/2014/main" xmlns="" id="{32E349D7-317F-155B-E799-6DF31F799336}"/>
               </a:ext>
             </a:extLst>
           </p:cNvPr>
@@ -13791,7 +13792,7 @@
           <p:cNvPr id="11" name="Рисунок 10" descr="Изображение выглядит как текст, диаграмма, снимок экрана, линия&#10;&#10;Содержимое, созданное искусственным интеллектом, может быть неверным.">
             <a:extLst>
               <a:ext uri="{FF2B5EF4-FFF2-40B4-BE49-F238E27FC236}">
-                <a16:creationId xmlns:a16="http://schemas.microsoft.com/office/drawing/2014/main" id="{111CC8F6-47EC-830A-17FF-9E1E31CF8933}"/>
+                <a16:creationId xmlns:a16="http://schemas.microsoft.com/office/drawing/2014/main" xmlns="" id="{111CC8F6-47EC-830A-17FF-9E1E31CF8933}"/>
               </a:ext>
             </a:extLst>
           </p:cNvPr>
@@ -13829,6 +13830,84 @@
 </p:sld>
 </file>
 
+<file path=ppt/slides/slide12.xml><?xml version="1.0" encoding="utf-8"?>
+<p:sld xmlns:a="http://schemas.openxmlformats.org/drawingml/2006/main" xmlns:r="http://schemas.openxmlformats.org/officeDocument/2006/relationships" xmlns:p="http://schemas.openxmlformats.org/presentationml/2006/main">
+  <p:cSld>
+    <p:spTree>
+      <p:nvGrpSpPr>
+        <p:cNvPr id="1" name=""/>
+        <p:cNvGrpSpPr/>
+        <p:nvPr/>
+      </p:nvGrpSpPr>
+      <p:grpSpPr>
+        <a:xfrm>
+          <a:off x="0" y="0"/>
+          <a:ext cx="0" cy="0"/>
+          <a:chOff x="0" y="0"/>
+          <a:chExt cx="0" cy="0"/>
+        </a:xfrm>
+      </p:grpSpPr>
+      <p:sp>
+        <p:nvSpPr>
+          <p:cNvPr id="3" name="Заголовок 2"/>
+          <p:cNvSpPr>
+            <a:spLocks noGrp="1"/>
+          </p:cNvSpPr>
+          <p:nvPr>
+            <p:ph type="title"/>
+          </p:nvPr>
+        </p:nvSpPr>
+        <p:spPr/>
+        <p:txBody>
+          <a:bodyPr/>
+          <a:lstStyle/>
+          <a:p>
+            <a:r>
+              <a:rPr lang="ru-RU" dirty="0" smtClean="0"/>
+              <a:t>Спасибо за внимание</a:t>
+            </a:r>
+            <a:endParaRPr lang="ru-RU" dirty="0"/>
+          </a:p>
+        </p:txBody>
+      </p:sp>
+      <p:pic>
+        <p:nvPicPr>
+          <p:cNvPr id="5" name="Рисунок 4"/>
+          <p:cNvPicPr>
+            <a:picLocks noGrp="1" noChangeAspect="1"/>
+          </p:cNvPicPr>
+          <p:nvPr>
+            <p:ph type="pic" sz="quarter" idx="14"/>
+          </p:nvPr>
+        </p:nvPicPr>
+        <p:blipFill>
+          <a:blip r:embed="rId2">
+            <a:extLst>
+              <a:ext uri="{28A0092B-C50C-407E-A947-70E740481C1C}">
+                <a14:useLocalDpi xmlns:a14="http://schemas.microsoft.com/office/drawing/2010/main" val="0"/>
+              </a:ext>
+            </a:extLst>
+          </a:blip>
+          <a:srcRect l="21875" r="21875"/>
+          <a:stretch>
+            <a:fillRect/>
+          </a:stretch>
+        </p:blipFill>
+        <p:spPr/>
+      </p:pic>
+    </p:spTree>
+    <p:extLst>
+      <p:ext uri="{BB962C8B-B14F-4D97-AF65-F5344CB8AC3E}">
+        <p14:creationId xmlns:p14="http://schemas.microsoft.com/office/powerpoint/2010/main" val="1069194318"/>
+      </p:ext>
+    </p:extLst>
+  </p:cSld>
+  <p:clrMapOvr>
+    <a:masterClrMapping/>
+  </p:clrMapOvr>
+</p:sld>
+</file>
+
 <file path=ppt/slides/slide2.xml><?xml version="1.0" encoding="utf-8"?>
 <p:sld xmlns:a="http://schemas.openxmlformats.org/drawingml/2006/main" xmlns:r="http://schemas.openxmlformats.org/officeDocument/2006/relationships" xmlns:p="http://schemas.openxmlformats.org/presentationml/2006/main">
   <p:cSld>
@@ -13851,7 +13930,7 @@
           <p:cNvPr id="2" name="Заголовок 1">
             <a:extLst>
               <a:ext uri="{FF2B5EF4-FFF2-40B4-BE49-F238E27FC236}">
-                <a16:creationId xmlns:a16="http://schemas.microsoft.com/office/drawing/2014/main" id="{6DB61917-344B-481F-9EAF-25E00F68FA1F}"/>
+                <a16:creationId xmlns:a16="http://schemas.microsoft.com/office/drawing/2014/main" xmlns="" id="{6DB61917-344B-481F-9EAF-25E00F68FA1F}"/>
               </a:ext>
             </a:extLst>
           </p:cNvPr>
@@ -13880,7 +13959,7 @@
           <p:cNvPr id="3" name="Текст 2">
             <a:extLst>
               <a:ext uri="{FF2B5EF4-FFF2-40B4-BE49-F238E27FC236}">
-                <a16:creationId xmlns:a16="http://schemas.microsoft.com/office/drawing/2014/main" id="{3B74E207-973B-4F89-A1DB-D87E2210EFB2}"/>
+                <a16:creationId xmlns:a16="http://schemas.microsoft.com/office/drawing/2014/main" xmlns="" id="{3B74E207-973B-4F89-A1DB-D87E2210EFB2}"/>
               </a:ext>
             </a:extLst>
           </p:cNvPr>
@@ -13948,7 +14027,7 @@
           <p:cNvPr id="12" name="Заголовок 11">
             <a:extLst>
               <a:ext uri="{FF2B5EF4-FFF2-40B4-BE49-F238E27FC236}">
-                <a16:creationId xmlns:a16="http://schemas.microsoft.com/office/drawing/2014/main" id="{F64C0E11-7DE4-D558-C3EF-9B3C7A9BF17D}"/>
+                <a16:creationId xmlns:a16="http://schemas.microsoft.com/office/drawing/2014/main" xmlns="" id="{F64C0E11-7DE4-D558-C3EF-9B3C7A9BF17D}"/>
               </a:ext>
             </a:extLst>
           </p:cNvPr>
@@ -13986,7 +14065,7 @@
           <p:cNvPr id="3" name="Объект 2">
             <a:extLst>
               <a:ext uri="{FF2B5EF4-FFF2-40B4-BE49-F238E27FC236}">
-                <a16:creationId xmlns:a16="http://schemas.microsoft.com/office/drawing/2014/main" id="{D4418541-7290-F1A9-2357-CA26E074EF45}"/>
+                <a16:creationId xmlns:a16="http://schemas.microsoft.com/office/drawing/2014/main" xmlns="" id="{D4418541-7290-F1A9-2357-CA26E074EF45}"/>
               </a:ext>
             </a:extLst>
           </p:cNvPr>
@@ -14046,7 +14125,7 @@
           <p:cNvPr id="10" name="Рисунок 9">
             <a:extLst>
               <a:ext uri="{FF2B5EF4-FFF2-40B4-BE49-F238E27FC236}">
-                <a16:creationId xmlns:a16="http://schemas.microsoft.com/office/drawing/2014/main" id="{04D6B4CF-44D5-4167-93CB-C4287770093B}"/>
+                <a16:creationId xmlns:a16="http://schemas.microsoft.com/office/drawing/2014/main" xmlns="" id="{04D6B4CF-44D5-4167-93CB-C4287770093B}"/>
               </a:ext>
             </a:extLst>
           </p:cNvPr>
@@ -14074,7 +14153,7 @@
           <p:cNvPr id="11" name="Рисунок 10">
             <a:extLst>
               <a:ext uri="{FF2B5EF4-FFF2-40B4-BE49-F238E27FC236}">
-                <a16:creationId xmlns:a16="http://schemas.microsoft.com/office/drawing/2014/main" id="{9E6B10EB-6178-4F4D-AA23-EAFD2A7A435A}"/>
+                <a16:creationId xmlns:a16="http://schemas.microsoft.com/office/drawing/2014/main" xmlns="" id="{9E6B10EB-6178-4F4D-AA23-EAFD2A7A435A}"/>
               </a:ext>
             </a:extLst>
           </p:cNvPr>
@@ -14216,7 +14295,7 @@
           <p:cNvPr id="2" name="Заголовок 1">
             <a:extLst>
               <a:ext uri="{FF2B5EF4-FFF2-40B4-BE49-F238E27FC236}">
-                <a16:creationId xmlns:a16="http://schemas.microsoft.com/office/drawing/2014/main" id="{EC9FE440-AFCB-14E0-8F19-C0A29D698EF8}"/>
+                <a16:creationId xmlns:a16="http://schemas.microsoft.com/office/drawing/2014/main" xmlns="" id="{EC9FE440-AFCB-14E0-8F19-C0A29D698EF8}"/>
               </a:ext>
             </a:extLst>
           </p:cNvPr>
@@ -14249,7 +14328,7 @@
           <p:cNvPr id="3" name="Рисунок 2">
             <a:extLst>
               <a:ext uri="{FF2B5EF4-FFF2-40B4-BE49-F238E27FC236}">
-                <a16:creationId xmlns:a16="http://schemas.microsoft.com/office/drawing/2014/main" id="{D6705440-8A69-34B1-5A7A-B706ECDF99FE}"/>
+                <a16:creationId xmlns:a16="http://schemas.microsoft.com/office/drawing/2014/main" xmlns="" id="{D6705440-8A69-34B1-5A7A-B706ECDF99FE}"/>
               </a:ext>
             </a:extLst>
           </p:cNvPr>
@@ -14284,7 +14363,7 @@
           <p:cNvPr id="4" name="Объект 3">
             <a:extLst>
               <a:ext uri="{FF2B5EF4-FFF2-40B4-BE49-F238E27FC236}">
-                <a16:creationId xmlns:a16="http://schemas.microsoft.com/office/drawing/2014/main" id="{AC63F1E1-FC65-E6A6-311E-B4043064474E}"/>
+                <a16:creationId xmlns:a16="http://schemas.microsoft.com/office/drawing/2014/main" xmlns="" id="{AC63F1E1-FC65-E6A6-311E-B4043064474E}"/>
               </a:ext>
             </a:extLst>
           </p:cNvPr>
@@ -14319,7 +14398,7 @@
           <p:cNvPr id="5" name="Рисунок 4" descr="Изображение выглядит как текст, снимок экрана, Шрифт, число&#10;&#10;Содержимое, созданное искусственным интеллектом, может быть неверным.">
             <a:extLst>
               <a:ext uri="{FF2B5EF4-FFF2-40B4-BE49-F238E27FC236}">
-                <a16:creationId xmlns:a16="http://schemas.microsoft.com/office/drawing/2014/main" id="{ADA81787-7BB5-7125-F103-A5D2842B81AD}"/>
+                <a16:creationId xmlns:a16="http://schemas.microsoft.com/office/drawing/2014/main" xmlns="" id="{ADA81787-7BB5-7125-F103-A5D2842B81AD}"/>
               </a:ext>
             </a:extLst>
           </p:cNvPr>
@@ -14354,7 +14433,7 @@
           <p:cNvPr id="6" name="Рисунок 5" descr="Изображение выглядит как текст, снимок экрана, Шрифт, число&#10;&#10;Содержимое, созданное искусственным интеллектом, может быть неверным.">
             <a:extLst>
               <a:ext uri="{FF2B5EF4-FFF2-40B4-BE49-F238E27FC236}">
-                <a16:creationId xmlns:a16="http://schemas.microsoft.com/office/drawing/2014/main" id="{A2BAE4CD-25B4-E8A3-E43D-42BA033A647F}"/>
+                <a16:creationId xmlns:a16="http://schemas.microsoft.com/office/drawing/2014/main" xmlns="" id="{A2BAE4CD-25B4-E8A3-E43D-42BA033A647F}"/>
               </a:ext>
             </a:extLst>
           </p:cNvPr>
@@ -14389,7 +14468,7 @@
           <p:cNvPr id="7" name="Рисунок 6" descr="Изображение выглядит как текст, снимок экрана, Шрифт, число&#10;&#10;Содержимое, созданное искусственным интеллектом, может быть неверным.">
             <a:extLst>
               <a:ext uri="{FF2B5EF4-FFF2-40B4-BE49-F238E27FC236}">
-                <a16:creationId xmlns:a16="http://schemas.microsoft.com/office/drawing/2014/main" id="{2E7C05DE-91E0-1780-F914-0FCD36FB6A05}"/>
+                <a16:creationId xmlns:a16="http://schemas.microsoft.com/office/drawing/2014/main" xmlns="" id="{2E7C05DE-91E0-1780-F914-0FCD36FB6A05}"/>
               </a:ext>
             </a:extLst>
           </p:cNvPr>
@@ -14424,7 +14503,7 @@
           <p:cNvPr id="8" name="Рисунок 7" descr="Изображение выглядит как текст, снимок экрана, Шрифт, число&#10;&#10;Содержимое, созданное искусственным интеллектом, может быть неверным.">
             <a:extLst>
               <a:ext uri="{FF2B5EF4-FFF2-40B4-BE49-F238E27FC236}">
-                <a16:creationId xmlns:a16="http://schemas.microsoft.com/office/drawing/2014/main" id="{379DBF85-5A54-4897-F676-EB8E7FC2B2BD}"/>
+                <a16:creationId xmlns:a16="http://schemas.microsoft.com/office/drawing/2014/main" xmlns="" id="{379DBF85-5A54-4897-F676-EB8E7FC2B2BD}"/>
               </a:ext>
             </a:extLst>
           </p:cNvPr>
@@ -14801,7 +14880,7 @@
           <p:cNvPr id="2" name="Заголовок 1">
             <a:extLst>
               <a:ext uri="{FF2B5EF4-FFF2-40B4-BE49-F238E27FC236}">
-                <a16:creationId xmlns:a16="http://schemas.microsoft.com/office/drawing/2014/main" id="{978F61F4-8AC0-344B-A6AC-96C98BA1EE18}"/>
+                <a16:creationId xmlns:a16="http://schemas.microsoft.com/office/drawing/2014/main" xmlns="" id="{978F61F4-8AC0-344B-A6AC-96C98BA1EE18}"/>
               </a:ext>
             </a:extLst>
           </p:cNvPr>
@@ -14846,7 +14925,7 @@
           <p:cNvPr id="5" name="Рисунок 4" descr="Изображение выглядит как текст, снимок экрана, Шрифт, дизайн&#10;&#10;Содержимое, созданное искусственным интеллектом, может быть неверным.">
             <a:extLst>
               <a:ext uri="{FF2B5EF4-FFF2-40B4-BE49-F238E27FC236}">
-                <a16:creationId xmlns:a16="http://schemas.microsoft.com/office/drawing/2014/main" id="{41FD5FFE-4A4A-8B29-7E66-B28AA1EE9FE6}"/>
+                <a16:creationId xmlns:a16="http://schemas.microsoft.com/office/drawing/2014/main" xmlns="" id="{41FD5FFE-4A4A-8B29-7E66-B28AA1EE9FE6}"/>
               </a:ext>
             </a:extLst>
           </p:cNvPr>
@@ -14881,7 +14960,7 @@
           <p:cNvPr id="8" name="Рисунок 7" descr="Изображение выглядит как текст, снимок экрана, синий, Цвет электрик&#10;&#10;Содержимое, созданное искусственным интеллектом, может быть неверным.">
             <a:extLst>
               <a:ext uri="{FF2B5EF4-FFF2-40B4-BE49-F238E27FC236}">
-                <a16:creationId xmlns:a16="http://schemas.microsoft.com/office/drawing/2014/main" id="{714F5623-B42C-6C69-BD7D-01EE80C67EB6}"/>
+                <a16:creationId xmlns:a16="http://schemas.microsoft.com/office/drawing/2014/main" xmlns="" id="{714F5623-B42C-6C69-BD7D-01EE80C67EB6}"/>
               </a:ext>
             </a:extLst>
           </p:cNvPr>
@@ -14946,7 +15025,7 @@
           <p:cNvPr id="2" name="Заголовок 1">
             <a:extLst>
               <a:ext uri="{FF2B5EF4-FFF2-40B4-BE49-F238E27FC236}">
-                <a16:creationId xmlns:a16="http://schemas.microsoft.com/office/drawing/2014/main" id="{B21B5C14-7BF0-4E3A-A984-5384107DD4D2}"/>
+                <a16:creationId xmlns:a16="http://schemas.microsoft.com/office/drawing/2014/main" xmlns="" id="{B21B5C14-7BF0-4E3A-A984-5384107DD4D2}"/>
               </a:ext>
             </a:extLst>
           </p:cNvPr>
@@ -14979,7 +15058,7 @@
           <p:cNvPr id="3" name="Подзаголовок 2">
             <a:extLst>
               <a:ext uri="{FF2B5EF4-FFF2-40B4-BE49-F238E27FC236}">
-                <a16:creationId xmlns:a16="http://schemas.microsoft.com/office/drawing/2014/main" id="{8219C134-2FB9-4D8C-BBD0-16844F18216F}"/>
+                <a16:creationId xmlns:a16="http://schemas.microsoft.com/office/drawing/2014/main" xmlns="" id="{8219C134-2FB9-4D8C-BBD0-16844F18216F}"/>
               </a:ext>
             </a:extLst>
           </p:cNvPr>
@@ -15017,7 +15096,7 @@
           <p:cNvPr id="8" name="Рисунок 7">
             <a:extLst>
               <a:ext uri="{FF2B5EF4-FFF2-40B4-BE49-F238E27FC236}">
-                <a16:creationId xmlns:a16="http://schemas.microsoft.com/office/drawing/2014/main" id="{AD37136D-180C-4440-BCE1-F9819E78A8B8}"/>
+                <a16:creationId xmlns:a16="http://schemas.microsoft.com/office/drawing/2014/main" xmlns="" id="{AD37136D-180C-4440-BCE1-F9819E78A8B8}"/>
               </a:ext>
             </a:extLst>
           </p:cNvPr>
@@ -15072,7 +15151,7 @@
           <p:cNvPr id="2" name="Заголовок 1">
             <a:extLst>
               <a:ext uri="{FF2B5EF4-FFF2-40B4-BE49-F238E27FC236}">
-                <a16:creationId xmlns:a16="http://schemas.microsoft.com/office/drawing/2014/main" id="{9FF243DF-1FE9-01BE-435F-1729F4AB3DE4}"/>
+                <a16:creationId xmlns:a16="http://schemas.microsoft.com/office/drawing/2014/main" xmlns="" id="{9FF243DF-1FE9-01BE-435F-1729F4AB3DE4}"/>
               </a:ext>
             </a:extLst>
           </p:cNvPr>
@@ -15110,7 +15189,7 @@
           <p:cNvPr id="6" name="Рисунок 5">
             <a:extLst>
               <a:ext uri="{FF2B5EF4-FFF2-40B4-BE49-F238E27FC236}">
-                <a16:creationId xmlns:a16="http://schemas.microsoft.com/office/drawing/2014/main" id="{B520C53E-8329-74AB-5229-BCDE630B2E13}"/>
+                <a16:creationId xmlns:a16="http://schemas.microsoft.com/office/drawing/2014/main" xmlns="" id="{B520C53E-8329-74AB-5229-BCDE630B2E13}"/>
               </a:ext>
             </a:extLst>
           </p:cNvPr>
@@ -15138,7 +15217,7 @@
           <p:cNvPr id="4" name="Текст 3">
             <a:extLst>
               <a:ext uri="{FF2B5EF4-FFF2-40B4-BE49-F238E27FC236}">
-                <a16:creationId xmlns:a16="http://schemas.microsoft.com/office/drawing/2014/main" id="{BFAF7377-87AF-3A8C-539C-8A9651F5DA33}"/>
+                <a16:creationId xmlns:a16="http://schemas.microsoft.com/office/drawing/2014/main" xmlns="" id="{BFAF7377-87AF-3A8C-539C-8A9651F5DA33}"/>
               </a:ext>
             </a:extLst>
           </p:cNvPr>
@@ -15186,10 +15265,10 @@
           <p:cNvPr id="5" name="Графический объект 15">
             <a:extLst>
               <a:ext uri="{FF2B5EF4-FFF2-40B4-BE49-F238E27FC236}">
-                <a16:creationId xmlns:a16="http://schemas.microsoft.com/office/drawing/2014/main" id="{13AD6E27-4528-4AD6-AD92-102A4D0CB020}"/>
+                <a16:creationId xmlns:a16="http://schemas.microsoft.com/office/drawing/2014/main" xmlns="" id="{13AD6E27-4528-4AD6-AD92-102A4D0CB020}"/>
               </a:ext>
               <a:ext uri="{C183D7F6-B498-43B3-948B-1728B52AA6E4}">
-                <adec:decorative xmlns:adec="http://schemas.microsoft.com/office/drawing/2017/decorative" val="1"/>
+                <adec:decorative xmlns:adec="http://schemas.microsoft.com/office/drawing/2017/decorative" xmlns="" val="1"/>
               </a:ext>
             </a:extLst>
           </p:cNvPr>
@@ -15340,7 +15419,7 @@
           <p:cNvPr id="7" name="Текст 3">
             <a:extLst>
               <a:ext uri="{FF2B5EF4-FFF2-40B4-BE49-F238E27FC236}">
-                <a16:creationId xmlns:a16="http://schemas.microsoft.com/office/drawing/2014/main" id="{57877676-C331-49D3-B9A0-F8E2C4A7B35B}"/>
+                <a16:creationId xmlns:a16="http://schemas.microsoft.com/office/drawing/2014/main" xmlns="" id="{57877676-C331-49D3-B9A0-F8E2C4A7B35B}"/>
               </a:ext>
             </a:extLst>
           </p:cNvPr>
@@ -15549,10 +15628,10 @@
           <p:cNvPr id="8" name="Графический объект 15">
             <a:extLst>
               <a:ext uri="{FF2B5EF4-FFF2-40B4-BE49-F238E27FC236}">
-                <a16:creationId xmlns:a16="http://schemas.microsoft.com/office/drawing/2014/main" id="{5C4CAD6C-98E2-49D4-A346-AF5F563EC810}"/>
+                <a16:creationId xmlns:a16="http://schemas.microsoft.com/office/drawing/2014/main" xmlns="" id="{5C4CAD6C-98E2-49D4-A346-AF5F563EC810}"/>
               </a:ext>
               <a:ext uri="{C183D7F6-B498-43B3-948B-1728B52AA6E4}">
-                <adec:decorative xmlns:adec="http://schemas.microsoft.com/office/drawing/2017/decorative" val="1"/>
+                <adec:decorative xmlns:adec="http://schemas.microsoft.com/office/drawing/2017/decorative" xmlns="" val="1"/>
               </a:ext>
             </a:extLst>
           </p:cNvPr>
@@ -15703,7 +15782,7 @@
           <p:cNvPr id="9" name="Текст 3">
             <a:extLst>
               <a:ext uri="{FF2B5EF4-FFF2-40B4-BE49-F238E27FC236}">
-                <a16:creationId xmlns:a16="http://schemas.microsoft.com/office/drawing/2014/main" id="{C9992FE1-25EB-4698-8B6B-CCC2AECF9A26}"/>
+                <a16:creationId xmlns:a16="http://schemas.microsoft.com/office/drawing/2014/main" xmlns="" id="{C9992FE1-25EB-4698-8B6B-CCC2AECF9A26}"/>
               </a:ext>
             </a:extLst>
           </p:cNvPr>
@@ -15912,10 +15991,10 @@
           <p:cNvPr id="10" name="Графический объект 15">
             <a:extLst>
               <a:ext uri="{FF2B5EF4-FFF2-40B4-BE49-F238E27FC236}">
-                <a16:creationId xmlns:a16="http://schemas.microsoft.com/office/drawing/2014/main" id="{B6EBC9C6-5047-48F9-AF49-B5E3E17E92C9}"/>
+                <a16:creationId xmlns:a16="http://schemas.microsoft.com/office/drawing/2014/main" xmlns="" id="{B6EBC9C6-5047-48F9-AF49-B5E3E17E92C9}"/>
               </a:ext>
               <a:ext uri="{C183D7F6-B498-43B3-948B-1728B52AA6E4}">
-                <adec:decorative xmlns:adec="http://schemas.microsoft.com/office/drawing/2017/decorative" val="1"/>
+                <adec:decorative xmlns:adec="http://schemas.microsoft.com/office/drawing/2017/decorative" xmlns="" val="1"/>
               </a:ext>
             </a:extLst>
           </p:cNvPr>
@@ -16066,10 +16145,10 @@
           <p:cNvPr id="3" name="Графический объект 15">
             <a:extLst>
               <a:ext uri="{FF2B5EF4-FFF2-40B4-BE49-F238E27FC236}">
-                <a16:creationId xmlns:a16="http://schemas.microsoft.com/office/drawing/2014/main" id="{50B81AE5-A9F8-D1AE-0B8F-2E6E596CA00A}"/>
+                <a16:creationId xmlns:a16="http://schemas.microsoft.com/office/drawing/2014/main" xmlns="" id="{50B81AE5-A9F8-D1AE-0B8F-2E6E596CA00A}"/>
               </a:ext>
               <a:ext uri="{C183D7F6-B498-43B3-948B-1728B52AA6E4}">
-                <adec:decorative xmlns:adec="http://schemas.microsoft.com/office/drawing/2017/decorative" val="1"/>
+                <adec:decorative xmlns:adec="http://schemas.microsoft.com/office/drawing/2017/decorative" xmlns="" val="1"/>
               </a:ext>
             </a:extLst>
           </p:cNvPr>
@@ -16220,7 +16299,7 @@
           <p:cNvPr id="11" name="Текст 3">
             <a:extLst>
               <a:ext uri="{FF2B5EF4-FFF2-40B4-BE49-F238E27FC236}">
-                <a16:creationId xmlns:a16="http://schemas.microsoft.com/office/drawing/2014/main" id="{ACA6040F-D5E7-6822-C243-F5B2E6970484}"/>
+                <a16:creationId xmlns:a16="http://schemas.microsoft.com/office/drawing/2014/main" xmlns="" id="{ACA6040F-D5E7-6822-C243-F5B2E6970484}"/>
               </a:ext>
             </a:extLst>
           </p:cNvPr>
@@ -16453,7 +16532,7 @@
           <p:cNvPr id="8" name="Рисунок 7" descr="Изображение выглядит как текст, снимок экрана, Шрифт, круг&#10;&#10;Содержимое, созданное искусственным интеллектом, может быть неверным.">
             <a:extLst>
               <a:ext uri="{FF2B5EF4-FFF2-40B4-BE49-F238E27FC236}">
-                <a16:creationId xmlns:a16="http://schemas.microsoft.com/office/drawing/2014/main" id="{13DC4FB0-16E8-F099-1514-90EBCF37BD0D}"/>
+                <a16:creationId xmlns:a16="http://schemas.microsoft.com/office/drawing/2014/main" xmlns="" id="{13DC4FB0-16E8-F099-1514-90EBCF37BD0D}"/>
               </a:ext>
             </a:extLst>
           </p:cNvPr>
@@ -16483,7 +16562,7 @@
           <p:cNvPr id="9" name="Рисунок 8" descr="Изображение выглядит как текст, снимок экрана, Шрифт, круг&#10;&#10;Содержимое, созданное искусственным интеллектом, может быть неверным.">
             <a:extLst>
               <a:ext uri="{FF2B5EF4-FFF2-40B4-BE49-F238E27FC236}">
-                <a16:creationId xmlns:a16="http://schemas.microsoft.com/office/drawing/2014/main" id="{54C3512B-C280-C735-6962-2E6F6B988920}"/>
+                <a16:creationId xmlns:a16="http://schemas.microsoft.com/office/drawing/2014/main" xmlns="" id="{54C3512B-C280-C735-6962-2E6F6B988920}"/>
               </a:ext>
             </a:extLst>
           </p:cNvPr>
@@ -16513,7 +16592,7 @@
           <p:cNvPr id="13" name="Заголовок 12">
             <a:extLst>
               <a:ext uri="{FF2B5EF4-FFF2-40B4-BE49-F238E27FC236}">
-                <a16:creationId xmlns:a16="http://schemas.microsoft.com/office/drawing/2014/main" id="{B79EE5D6-C07D-B746-7CC5-3411FF8DF51E}"/>
+                <a16:creationId xmlns:a16="http://schemas.microsoft.com/office/drawing/2014/main" xmlns="" id="{B79EE5D6-C07D-B746-7CC5-3411FF8DF51E}"/>
               </a:ext>
             </a:extLst>
           </p:cNvPr>
@@ -16580,7 +16659,7 @@
           <p:cNvPr id="2" name="Заголовок 1">
             <a:extLst>
               <a:ext uri="{FF2B5EF4-FFF2-40B4-BE49-F238E27FC236}">
-                <a16:creationId xmlns:a16="http://schemas.microsoft.com/office/drawing/2014/main" id="{8D823E3D-7D4B-43CE-31F3-07700FF0693C}"/>
+                <a16:creationId xmlns:a16="http://schemas.microsoft.com/office/drawing/2014/main" xmlns="" id="{8D823E3D-7D4B-43CE-31F3-07700FF0693C}"/>
               </a:ext>
             </a:extLst>
           </p:cNvPr>
@@ -16608,7 +16687,7 @@
           <p:cNvPr id="5" name="Рисунок 4" descr="Изображение выглядит как текст, снимок экрана, Шрифт, дизайн&#10;&#10;Содержимое, созданное искусственным интеллектом, может быть неверным.">
             <a:extLst>
               <a:ext uri="{FF2B5EF4-FFF2-40B4-BE49-F238E27FC236}">
-                <a16:creationId xmlns:a16="http://schemas.microsoft.com/office/drawing/2014/main" id="{3D6208A4-85B0-4903-0BCC-1A4E28437915}"/>
+                <a16:creationId xmlns:a16="http://schemas.microsoft.com/office/drawing/2014/main" xmlns="" id="{3D6208A4-85B0-4903-0BCC-1A4E28437915}"/>
               </a:ext>
             </a:extLst>
           </p:cNvPr>
@@ -16638,7 +16717,7 @@
           <p:cNvPr id="7" name="Рисунок 6" descr="Изображение выглядит как текст, снимок экрана, Шрифт, дизайн&#10;&#10;Содержимое, созданное искусственным интеллектом, может быть неверным.">
             <a:extLst>
               <a:ext uri="{FF2B5EF4-FFF2-40B4-BE49-F238E27FC236}">
-                <a16:creationId xmlns:a16="http://schemas.microsoft.com/office/drawing/2014/main" id="{349AC66D-DA41-F95F-2E52-C68C0845B0EE}"/>
+                <a16:creationId xmlns:a16="http://schemas.microsoft.com/office/drawing/2014/main" xmlns="" id="{349AC66D-DA41-F95F-2E52-C68C0845B0EE}"/>
               </a:ext>
             </a:extLst>
           </p:cNvPr>
@@ -16668,7 +16747,7 @@
           <p:cNvPr id="6" name="Рисунок 5" descr="Изображение выглядит как текст, снимок экрана, Шрифт, дизайн&#10;&#10;Содержимое, созданное искусственным интеллектом, может быть неверным.">
             <a:extLst>
               <a:ext uri="{FF2B5EF4-FFF2-40B4-BE49-F238E27FC236}">
-                <a16:creationId xmlns:a16="http://schemas.microsoft.com/office/drawing/2014/main" id="{CC17AA6C-B762-04BE-78CE-43859F14498B}"/>
+                <a16:creationId xmlns:a16="http://schemas.microsoft.com/office/drawing/2014/main" xmlns="" id="{CC17AA6C-B762-04BE-78CE-43859F14498B}"/>
               </a:ext>
             </a:extLst>
           </p:cNvPr>
@@ -17066,7 +17145,7 @@
   <a:extraClrSchemeLst/>
   <a:extLst>
     <a:ext uri="{05A4C25C-085E-4340-85A3-A5531E510DB2}">
-      <thm15:themeFamily xmlns:thm15="http://schemas.microsoft.com/office/thememl/2012/main" name="Office_72892869_TF89338750_Win32" id="{38A0B81A-7E44-4B8E-AF89-09AD5D6B18B2}" vid="{49B9A1D1-237B-41E3-8B32-943C85677969}"/>
+      <thm15:themeFamily xmlns:thm15="http://schemas.microsoft.com/office/thememl/2012/main" xmlns="" name="Office_72892869_TF89338750_Win32" id="{38A0B81A-7E44-4B8E-AF89-09AD5D6B18B2}" vid="{49B9A1D1-237B-41E3-8B32-943C85677969}"/>
     </a:ext>
   </a:extLst>
 </a:theme>
@@ -17115,7 +17194,7 @@
     </a:clrScheme>
     <a:fontScheme name="Office">
       <a:majorFont>
-        <a:latin typeface="Calibri Light" panose="020F0302020204030204"/>
+        <a:latin typeface="Calibri Light"/>
         <a:ea typeface=""/>
         <a:cs typeface=""/>
         <a:font script="Jpan" typeface="游ゴシック Light"/>
@@ -17167,7 +17246,7 @@
         <a:font script="Tfng" typeface="Ebrima"/>
       </a:majorFont>
       <a:minorFont>
-        <a:latin typeface="Calibri" panose="020F0502020204030204"/>
+        <a:latin typeface="Calibri"/>
         <a:ea typeface=""/>
         <a:cs typeface=""/>
         <a:font script="Jpan" typeface="游ゴシック"/>
@@ -17361,7 +17440,7 @@
   <a:extraClrSchemeLst/>
   <a:extLst>
     <a:ext uri="{05A4C25C-085E-4340-85A3-A5531E510DB2}">
-      <thm15:themeFamily xmlns:thm15="http://schemas.microsoft.com/office/thememl/2012/main" name="Office Theme" id="{62F939B6-93AF-4DB8-9C6B-D6C7DFDC589F}" vid="{4A3C46E8-61CC-4603-A589-7422A47A8E4A}"/>
+      <thm15:themeFamily xmlns:thm15="http://schemas.microsoft.com/office/thememl/2012/main" xmlns="" name="Office Theme" id="{62F939B6-93AF-4DB8-9C6B-D6C7DFDC589F}" vid="{4A3C46E8-61CC-4603-A589-7422A47A8E4A}"/>
     </a:ext>
   </a:extLst>
 </a:theme>
@@ -17410,7 +17489,7 @@
     </a:clrScheme>
     <a:fontScheme name="Office">
       <a:majorFont>
-        <a:latin typeface="Calibri Light" panose="020F0302020204030204"/>
+        <a:latin typeface="Calibri Light"/>
         <a:ea typeface=""/>
         <a:cs typeface=""/>
         <a:font script="Jpan" typeface="游ゴシック Light"/>
@@ -17462,7 +17541,7 @@
         <a:font script="Tfng" typeface="Ebrima"/>
       </a:majorFont>
       <a:minorFont>
-        <a:latin typeface="Calibri" panose="020F0502020204030204"/>
+        <a:latin typeface="Calibri"/>
         <a:ea typeface=""/>
         <a:cs typeface=""/>
         <a:font script="Jpan" typeface="游ゴシック"/>
@@ -17656,19 +17735,30 @@
   <a:extraClrSchemeLst/>
   <a:extLst>
     <a:ext uri="{05A4C25C-085E-4340-85A3-A5531E510DB2}">
-      <thm15:themeFamily xmlns:thm15="http://schemas.microsoft.com/office/thememl/2012/main" name="Office Theme" id="{62F939B6-93AF-4DB8-9C6B-D6C7DFDC589F}" vid="{4A3C46E8-61CC-4603-A589-7422A47A8E4A}"/>
+      <thm15:themeFamily xmlns:thm15="http://schemas.microsoft.com/office/thememl/2012/main" xmlns="" name="Office Theme" id="{62F939B6-93AF-4DB8-9C6B-D6C7DFDC589F}" vid="{4A3C46E8-61CC-4603-A589-7422A47A8E4A}"/>
     </a:ext>
   </a:extLst>
 </a:theme>
 </file>
 
 <file path=customXml/item1.xml><?xml version="1.0" encoding="utf-8"?>
-<?mso-contentType ?>
-<FormTemplates xmlns="http://schemas.microsoft.com/sharepoint/v3/contenttype/forms">
-  <Display>DocumentLibraryForm</Display>
-  <Edit>DocumentLibraryForm</Edit>
-  <New>DocumentLibraryForm</New>
-</FormTemplates>
+<p:properties xmlns:p="http://schemas.microsoft.com/office/2006/metadata/properties" xmlns:xsi="http://www.w3.org/2001/XMLSchema-instance" xmlns:pc="http://schemas.microsoft.com/office/infopath/2007/PartnerControls">
+  <documentManagement>
+    <_ip_UnifiedCompliancePolicyUIAction xmlns="http://schemas.microsoft.com/sharepoint/v3" xsi:nil="true"/>
+    <Image xmlns="71af3243-3dd4-4a8d-8c0d-dd76da1f02a5">
+      <Url xsi:nil="true"/>
+      <Description xsi:nil="true"/>
+    </Image>
+    <Status xmlns="71af3243-3dd4-4a8d-8c0d-dd76da1f02a5">Not started</Status>
+    <Background xmlns="71af3243-3dd4-4a8d-8c0d-dd76da1f02a5">false</Background>
+    <_ip_UnifiedCompliancePolicyProperties xmlns="http://schemas.microsoft.com/sharepoint/v3" xsi:nil="true"/>
+    <ImageTagsTaxHTField xmlns="71af3243-3dd4-4a8d-8c0d-dd76da1f02a5">
+      <Terms xmlns="http://schemas.microsoft.com/office/infopath/2007/PartnerControls"/>
+    </ImageTagsTaxHTField>
+    <TaxCatchAll xmlns="230e9df3-be65-4c73-a93b-d1236ebd677e" xsi:nil="true"/>
+    <MediaServiceKeyPoints xmlns="71af3243-3dd4-4a8d-8c0d-dd76da1f02a5" xsi:nil="true"/>
+  </documentManagement>
+</p:properties>
 </file>
 
 <file path=customXml/item2.xml><?xml version="1.0" encoding="utf-8"?>
@@ -17984,29 +18074,29 @@
 </file>
 
 <file path=customXml/item3.xml><?xml version="1.0" encoding="utf-8"?>
-<p:properties xmlns:p="http://schemas.microsoft.com/office/2006/metadata/properties" xmlns:xsi="http://www.w3.org/2001/XMLSchema-instance" xmlns:pc="http://schemas.microsoft.com/office/infopath/2007/PartnerControls">
-  <documentManagement>
-    <_ip_UnifiedCompliancePolicyUIAction xmlns="http://schemas.microsoft.com/sharepoint/v3" xsi:nil="true"/>
-    <Image xmlns="71af3243-3dd4-4a8d-8c0d-dd76da1f02a5">
-      <Url xsi:nil="true"/>
-      <Description xsi:nil="true"/>
-    </Image>
-    <Status xmlns="71af3243-3dd4-4a8d-8c0d-dd76da1f02a5">Not started</Status>
-    <Background xmlns="71af3243-3dd4-4a8d-8c0d-dd76da1f02a5">false</Background>
-    <_ip_UnifiedCompliancePolicyProperties xmlns="http://schemas.microsoft.com/sharepoint/v3" xsi:nil="true"/>
-    <ImageTagsTaxHTField xmlns="71af3243-3dd4-4a8d-8c0d-dd76da1f02a5">
-      <Terms xmlns="http://schemas.microsoft.com/office/infopath/2007/PartnerControls"/>
-    </ImageTagsTaxHTField>
-    <TaxCatchAll xmlns="230e9df3-be65-4c73-a93b-d1236ebd677e" xsi:nil="true"/>
-    <MediaServiceKeyPoints xmlns="71af3243-3dd4-4a8d-8c0d-dd76da1f02a5" xsi:nil="true"/>
-  </documentManagement>
-</p:properties>
+<?mso-contentType ?>
+<FormTemplates xmlns="http://schemas.microsoft.com/sharepoint/v3/contenttype/forms">
+  <Display>DocumentLibraryForm</Display>
+  <Edit>DocumentLibraryForm</Edit>
+  <New>DocumentLibraryForm</New>
+</FormTemplates>
 </file>
 
 <file path=customXml/itemProps1.xml><?xml version="1.0" encoding="utf-8"?>
-<ds:datastoreItem xmlns:ds="http://schemas.openxmlformats.org/officeDocument/2006/customXml" ds:itemID="{FABD9919-8F5A-4B99-83E1-E90FE1DCF2E1}">
+<ds:datastoreItem xmlns:ds="http://schemas.openxmlformats.org/officeDocument/2006/customXml" ds:itemID="{80E87F72-70BF-43BC-A0D4-53665DC12672}">
   <ds:schemaRefs>
-    <ds:schemaRef ds:uri="http://schemas.microsoft.com/sharepoint/v3/contenttype/forms"/>
+    <ds:schemaRef ds:uri="http://purl.org/dc/terms/"/>
+    <ds:schemaRef ds:uri="http://purl.org/dc/elements/1.1/"/>
+    <ds:schemaRef ds:uri="http://purl.org/dc/dcmitype/"/>
+    <ds:schemaRef ds:uri="http://schemas.microsoft.com/office/2006/documentManagement/types"/>
+    <ds:schemaRef ds:uri="http://schemas.openxmlformats.org/package/2006/metadata/core-properties"/>
+    <ds:schemaRef ds:uri="http://schemas.microsoft.com/office/infopath/2007/PartnerControls"/>
+    <ds:schemaRef ds:uri="http://www.w3.org/XML/1998/namespace"/>
+    <ds:schemaRef ds:uri="230e9df3-be65-4c73-a93b-d1236ebd677e"/>
+    <ds:schemaRef ds:uri="71af3243-3dd4-4a8d-8c0d-dd76da1f02a5"/>
+    <ds:schemaRef ds:uri="16c05727-aa75-4e4a-9b5f-8a80a1165891"/>
+    <ds:schemaRef ds:uri="http://schemas.microsoft.com/sharepoint/v3"/>
+    <ds:schemaRef ds:uri="http://schemas.microsoft.com/office/2006/metadata/properties"/>
   </ds:schemaRefs>
 </ds:datastoreItem>
 </file>
@@ -18033,20 +18123,9 @@
 </file>
 
 <file path=customXml/itemProps3.xml><?xml version="1.0" encoding="utf-8"?>
-<ds:datastoreItem xmlns:ds="http://schemas.openxmlformats.org/officeDocument/2006/customXml" ds:itemID="{80E87F72-70BF-43BC-A0D4-53665DC12672}">
+<ds:datastoreItem xmlns:ds="http://schemas.openxmlformats.org/officeDocument/2006/customXml" ds:itemID="{FABD9919-8F5A-4B99-83E1-E90FE1DCF2E1}">
   <ds:schemaRefs>
-    <ds:schemaRef ds:uri="http://purl.org/dc/terms/"/>
-    <ds:schemaRef ds:uri="http://purl.org/dc/elements/1.1/"/>
-    <ds:schemaRef ds:uri="http://purl.org/dc/dcmitype/"/>
-    <ds:schemaRef ds:uri="http://schemas.microsoft.com/office/2006/documentManagement/types"/>
-    <ds:schemaRef ds:uri="http://schemas.openxmlformats.org/package/2006/metadata/core-properties"/>
-    <ds:schemaRef ds:uri="http://schemas.microsoft.com/office/infopath/2007/PartnerControls"/>
-    <ds:schemaRef ds:uri="http://www.w3.org/XML/1998/namespace"/>
-    <ds:schemaRef ds:uri="230e9df3-be65-4c73-a93b-d1236ebd677e"/>
-    <ds:schemaRef ds:uri="71af3243-3dd4-4a8d-8c0d-dd76da1f02a5"/>
-    <ds:schemaRef ds:uri="16c05727-aa75-4e4a-9b5f-8a80a1165891"/>
-    <ds:schemaRef ds:uri="http://schemas.microsoft.com/sharepoint/v3"/>
-    <ds:schemaRef ds:uri="http://schemas.microsoft.com/office/2006/metadata/properties"/>
+    <ds:schemaRef ds:uri="http://schemas.microsoft.com/sharepoint/v3/contenttype/forms"/>
   </ds:schemaRefs>
 </ds:datastoreItem>
 </file>
